--- a/PPTemplate/PP Design.pptx
+++ b/PPTemplate/PP Design.pptx
@@ -6,8 +6,10 @@
   </p:sldMasterIdLst>
   <p:sldIdLst>
     <p:sldId id="256" r:id="rId2"/>
-    <p:sldId id="257" r:id="rId3"/>
+    <p:sldId id="259" r:id="rId3"/>
     <p:sldId id="258" r:id="rId4"/>
+    <p:sldId id="260" r:id="rId5"/>
+    <p:sldId id="257" r:id="rId6"/>
   </p:sldIdLst>
   <p:sldSz cx="12192000" cy="6858000"/>
   <p:notesSz cx="6858000" cy="9144000"/>
@@ -106,6 +108,11 @@
       </a:defRPr>
     </a:lvl9pPr>
   </p:defaultTextStyle>
+  <p:extLst>
+    <p:ext uri="{EFAFB233-063F-42B5-8137-9DF3F51BA10A}">
+      <p15:sldGuideLst xmlns:p15="http://schemas.microsoft.com/office/powerpoint/2012/main"/>
+    </p:ext>
+  </p:extLst>
 </p:presentation>
 </file>
 
@@ -300,7 +307,7 @@
           <a:p>
             <a:fld id="{F9A81036-E299-4AD0-BD9D-AF7A1D5A3883}" type="datetimeFigureOut">
               <a:rPr lang="en-CA" smtClean="0"/>
-              <a:t>2020-06-12</a:t>
+              <a:t>2020-06-13</a:t>
             </a:fld>
             <a:endParaRPr lang="en-CA"/>
           </a:p>
@@ -736,7 +743,7 @@
           <a:p>
             <a:fld id="{F9A81036-E299-4AD0-BD9D-AF7A1D5A3883}" type="datetimeFigureOut">
               <a:rPr lang="en-CA" smtClean="0"/>
-              <a:t>2020-06-12</a:t>
+              <a:t>2020-06-13</a:t>
             </a:fld>
             <a:endParaRPr lang="en-CA"/>
           </a:p>
@@ -986,7 +993,7 @@
           <a:p>
             <a:fld id="{F9A81036-E299-4AD0-BD9D-AF7A1D5A3883}" type="datetimeFigureOut">
               <a:rPr lang="en-CA" smtClean="0"/>
-              <a:t>2020-06-12</a:t>
+              <a:t>2020-06-13</a:t>
             </a:fld>
             <a:endParaRPr lang="en-CA"/>
           </a:p>
@@ -1294,7 +1301,7 @@
           <a:p>
             <a:fld id="{F9A81036-E299-4AD0-BD9D-AF7A1D5A3883}" type="datetimeFigureOut">
               <a:rPr lang="en-CA" smtClean="0"/>
-              <a:t>2020-06-12</a:t>
+              <a:t>2020-06-13</a:t>
             </a:fld>
             <a:endParaRPr lang="en-CA"/>
           </a:p>
@@ -1612,7 +1619,7 @@
           <a:p>
             <a:fld id="{F9A81036-E299-4AD0-BD9D-AF7A1D5A3883}" type="datetimeFigureOut">
               <a:rPr lang="en-CA" smtClean="0"/>
-              <a:t>2020-06-12</a:t>
+              <a:t>2020-06-13</a:t>
             </a:fld>
             <a:endParaRPr lang="en-CA"/>
           </a:p>
@@ -1914,7 +1921,7 @@
           <a:p>
             <a:fld id="{F9A81036-E299-4AD0-BD9D-AF7A1D5A3883}" type="datetimeFigureOut">
               <a:rPr lang="en-CA" smtClean="0"/>
-              <a:t>2020-06-12</a:t>
+              <a:t>2020-06-13</a:t>
             </a:fld>
             <a:endParaRPr lang="en-CA"/>
           </a:p>
@@ -2281,7 +2288,7 @@
           <a:p>
             <a:fld id="{F9A81036-E299-4AD0-BD9D-AF7A1D5A3883}" type="datetimeFigureOut">
               <a:rPr lang="en-CA" smtClean="0"/>
-              <a:t>2020-06-12</a:t>
+              <a:t>2020-06-13</a:t>
             </a:fld>
             <a:endParaRPr lang="en-CA"/>
           </a:p>
@@ -2455,7 +2462,7 @@
           <a:p>
             <a:fld id="{F9A81036-E299-4AD0-BD9D-AF7A1D5A3883}" type="datetimeFigureOut">
               <a:rPr lang="en-CA" smtClean="0"/>
-              <a:t>2020-06-12</a:t>
+              <a:t>2020-06-13</a:t>
             </a:fld>
             <a:endParaRPr lang="en-CA"/>
           </a:p>
@@ -2635,7 +2642,7 @@
           <a:p>
             <a:fld id="{F9A81036-E299-4AD0-BD9D-AF7A1D5A3883}" type="datetimeFigureOut">
               <a:rPr lang="en-CA" smtClean="0"/>
-              <a:t>2020-06-12</a:t>
+              <a:t>2020-06-13</a:t>
             </a:fld>
             <a:endParaRPr lang="en-CA"/>
           </a:p>
@@ -2805,7 +2812,7 @@
           <a:p>
             <a:fld id="{F9A81036-E299-4AD0-BD9D-AF7A1D5A3883}" type="datetimeFigureOut">
               <a:rPr lang="en-CA" smtClean="0"/>
-              <a:t>2020-06-12</a:t>
+              <a:t>2020-06-13</a:t>
             </a:fld>
             <a:endParaRPr lang="en-CA"/>
           </a:p>
@@ -3055,7 +3062,7 @@
           <a:p>
             <a:fld id="{F9A81036-E299-4AD0-BD9D-AF7A1D5A3883}" type="datetimeFigureOut">
               <a:rPr lang="en-CA" smtClean="0"/>
-              <a:t>2020-06-12</a:t>
+              <a:t>2020-06-13</a:t>
             </a:fld>
             <a:endParaRPr lang="en-CA"/>
           </a:p>
@@ -3291,7 +3298,7 @@
           <a:p>
             <a:fld id="{F9A81036-E299-4AD0-BD9D-AF7A1D5A3883}" type="datetimeFigureOut">
               <a:rPr lang="en-CA" smtClean="0"/>
-              <a:t>2020-06-12</a:t>
+              <a:t>2020-06-13</a:t>
             </a:fld>
             <a:endParaRPr lang="en-CA"/>
           </a:p>
@@ -3673,7 +3680,7 @@
           <a:p>
             <a:fld id="{F9A81036-E299-4AD0-BD9D-AF7A1D5A3883}" type="datetimeFigureOut">
               <a:rPr lang="en-CA" smtClean="0"/>
-              <a:t>2020-06-12</a:t>
+              <a:t>2020-06-13</a:t>
             </a:fld>
             <a:endParaRPr lang="en-CA"/>
           </a:p>
@@ -3791,7 +3798,7 @@
           <a:p>
             <a:fld id="{F9A81036-E299-4AD0-BD9D-AF7A1D5A3883}" type="datetimeFigureOut">
               <a:rPr lang="en-CA" smtClean="0"/>
-              <a:t>2020-06-12</a:t>
+              <a:t>2020-06-13</a:t>
             </a:fld>
             <a:endParaRPr lang="en-CA"/>
           </a:p>
@@ -3886,7 +3893,7 @@
           <a:p>
             <a:fld id="{F9A81036-E299-4AD0-BD9D-AF7A1D5A3883}" type="datetimeFigureOut">
               <a:rPr lang="en-CA" smtClean="0"/>
-              <a:t>2020-06-12</a:t>
+              <a:t>2020-06-13</a:t>
             </a:fld>
             <a:endParaRPr lang="en-CA"/>
           </a:p>
@@ -4141,7 +4148,7 @@
           <a:p>
             <a:fld id="{F9A81036-E299-4AD0-BD9D-AF7A1D5A3883}" type="datetimeFigureOut">
               <a:rPr lang="en-CA" smtClean="0"/>
-              <a:t>2020-06-12</a:t>
+              <a:t>2020-06-13</a:t>
             </a:fld>
             <a:endParaRPr lang="en-CA"/>
           </a:p>
@@ -4424,7 +4431,7 @@
           <a:p>
             <a:fld id="{F9A81036-E299-4AD0-BD9D-AF7A1D5A3883}" type="datetimeFigureOut">
               <a:rPr lang="en-CA" smtClean="0"/>
-              <a:t>2020-06-12</a:t>
+              <a:t>2020-06-13</a:t>
             </a:fld>
             <a:endParaRPr lang="en-CA"/>
           </a:p>
@@ -4830,7 +4837,7 @@
           <a:p>
             <a:fld id="{F9A81036-E299-4AD0-BD9D-AF7A1D5A3883}" type="datetimeFigureOut">
               <a:rPr lang="en-CA" smtClean="0"/>
-              <a:t>2020-06-12</a:t>
+              <a:t>2020-06-13</a:t>
             </a:fld>
             <a:endParaRPr lang="en-CA"/>
           </a:p>
@@ -5447,6 +5454,1279 @@
 <file path=ppt/slides/slide2.xml><?xml version="1.0" encoding="utf-8"?>
 <p:sld xmlns:a="http://schemas.openxmlformats.org/drawingml/2006/main" xmlns:r="http://schemas.openxmlformats.org/officeDocument/2006/relationships" xmlns:p="http://schemas.openxmlformats.org/presentationml/2006/main">
   <p:cSld>
+    <p:spTree>
+      <p:nvGrpSpPr>
+        <p:cNvPr id="1" name=""/>
+        <p:cNvGrpSpPr/>
+        <p:nvPr/>
+      </p:nvGrpSpPr>
+      <p:grpSpPr>
+        <a:xfrm>
+          <a:off x="0" y="0"/>
+          <a:ext cx="0" cy="0"/>
+          <a:chOff x="0" y="0"/>
+          <a:chExt cx="0" cy="0"/>
+        </a:xfrm>
+      </p:grpSpPr>
+      <p:sp>
+        <p:nvSpPr>
+          <p:cNvPr id="2" name="Title 1">
+            <a:extLst>
+              <a:ext uri="{FF2B5EF4-FFF2-40B4-BE49-F238E27FC236}">
+                <a16:creationId xmlns:a16="http://schemas.microsoft.com/office/drawing/2014/main" id="{B5195915-9CAD-4121-AC9D-C1C94BE9DBA0}"/>
+              </a:ext>
+            </a:extLst>
+          </p:cNvPr>
+          <p:cNvSpPr>
+            <a:spLocks noGrp="1"/>
+          </p:cNvSpPr>
+          <p:nvPr>
+            <p:ph type="title"/>
+          </p:nvPr>
+        </p:nvSpPr>
+        <p:spPr>
+          <a:xfrm>
+            <a:off x="684212" y="393634"/>
+            <a:ext cx="8534400" cy="1507067"/>
+          </a:xfrm>
+        </p:spPr>
+        <p:txBody>
+          <a:bodyPr/>
+          <a:lstStyle/>
+          <a:p>
+            <a:r>
+              <a:rPr lang="en-CA" dirty="0"/>
+              <a:t>Hypothesis</a:t>
+            </a:r>
+          </a:p>
+        </p:txBody>
+      </p:sp>
+      <p:sp>
+        <p:nvSpPr>
+          <p:cNvPr id="3" name="Content Placeholder 2">
+            <a:extLst>
+              <a:ext uri="{FF2B5EF4-FFF2-40B4-BE49-F238E27FC236}">
+                <a16:creationId xmlns:a16="http://schemas.microsoft.com/office/drawing/2014/main" id="{7CDCBE33-923C-4707-82DC-ABD3EC3E01B7}"/>
+              </a:ext>
+            </a:extLst>
+          </p:cNvPr>
+          <p:cNvSpPr>
+            <a:spLocks noGrp="1"/>
+          </p:cNvSpPr>
+          <p:nvPr>
+            <p:ph idx="1"/>
+          </p:nvPr>
+        </p:nvSpPr>
+        <p:spPr>
+          <a:xfrm>
+            <a:off x="684212" y="1900701"/>
+            <a:ext cx="8534400" cy="3615267"/>
+          </a:xfrm>
+        </p:spPr>
+        <p:txBody>
+          <a:bodyPr/>
+          <a:lstStyle/>
+          <a:p>
+            <a:r>
+              <a:rPr lang="en-CA" dirty="0">
+                <a:solidFill>
+                  <a:schemeClr val="tx1"/>
+                </a:solidFill>
+              </a:rPr>
+              <a:t>With what we know, COVID-19 will have a stronger effect on major cities.</a:t>
+            </a:r>
+          </a:p>
+          <a:p>
+            <a:r>
+              <a:rPr lang="en-CA" dirty="0">
+                <a:solidFill>
+                  <a:schemeClr val="tx1"/>
+                </a:solidFill>
+              </a:rPr>
+              <a:t>There are evidence that shows elderly are more likely  to be severely effected by the virus than their younger counterparts and we like to see if that holds true with our data.</a:t>
+            </a:r>
+          </a:p>
+          <a:p>
+            <a:r>
+              <a:rPr lang="en-CA" dirty="0">
+                <a:solidFill>
+                  <a:schemeClr val="tx1"/>
+                </a:solidFill>
+              </a:rPr>
+              <a:t>We know the strategies(time of lockdown, severity of lockdown) across selected province and want to discover how effective each strategies were in combatting the pandemic.</a:t>
+            </a:r>
+          </a:p>
+        </p:txBody>
+      </p:sp>
+    </p:spTree>
+    <p:extLst>
+      <p:ext uri="{BB962C8B-B14F-4D97-AF65-F5344CB8AC3E}">
+        <p14:creationId xmlns:p14="http://schemas.microsoft.com/office/powerpoint/2010/main" val="3009425808"/>
+      </p:ext>
+    </p:extLst>
+  </p:cSld>
+  <p:clrMapOvr>
+    <a:masterClrMapping/>
+  </p:clrMapOvr>
+</p:sld>
+</file>
+
+<file path=ppt/slides/slide3.xml><?xml version="1.0" encoding="utf-8"?>
+<p:sld xmlns:a="http://schemas.openxmlformats.org/drawingml/2006/main" xmlns:r="http://schemas.openxmlformats.org/officeDocument/2006/relationships" xmlns:p="http://schemas.openxmlformats.org/presentationml/2006/main">
+  <p:cSld>
+    <p:bg>
+      <p:bgPr>
+        <a:gradFill rotWithShape="1">
+          <a:gsLst>
+            <a:gs pos="10000">
+              <a:schemeClr val="bg2">
+                <a:tint val="97000"/>
+                <a:hueMod val="92000"/>
+                <a:satMod val="169000"/>
+                <a:lumMod val="164000"/>
+              </a:schemeClr>
+            </a:gs>
+            <a:gs pos="100000">
+              <a:schemeClr val="bg2">
+                <a:shade val="96000"/>
+                <a:satMod val="120000"/>
+                <a:lumMod val="90000"/>
+              </a:schemeClr>
+            </a:gs>
+          </a:gsLst>
+          <a:lin ang="6120000" scaled="1"/>
+        </a:gradFill>
+        <a:effectLst/>
+      </p:bgPr>
+    </p:bg>
+    <p:spTree>
+      <p:nvGrpSpPr>
+        <p:cNvPr id="1" name=""/>
+        <p:cNvGrpSpPr/>
+        <p:nvPr/>
+      </p:nvGrpSpPr>
+      <p:grpSpPr>
+        <a:xfrm>
+          <a:off x="0" y="0"/>
+          <a:ext cx="0" cy="0"/>
+          <a:chOff x="0" y="0"/>
+          <a:chExt cx="0" cy="0"/>
+        </a:xfrm>
+      </p:grpSpPr>
+      <p:cxnSp>
+        <p:nvCxnSpPr>
+          <p:cNvPr id="11" name="Straight Connector 10">
+            <a:extLst>
+              <a:ext uri="{FF2B5EF4-FFF2-40B4-BE49-F238E27FC236}">
+                <a16:creationId xmlns:a16="http://schemas.microsoft.com/office/drawing/2014/main" id="{8FD48FB1-66D8-4676-B0AA-C139A1DB78D1}"/>
+              </a:ext>
+              <a:ext uri="{C183D7F6-B498-43B3-948B-1728B52AA6E4}">
+                <adec:decorative xmlns:adec="http://schemas.microsoft.com/office/drawing/2017/decorative" val="1"/>
+              </a:ext>
+            </a:extLst>
+          </p:cNvPr>
+          <p:cNvCxnSpPr>
+            <a:cxnSpLocks noGrp="1" noRot="1" noChangeAspect="1" noMove="1" noResize="1" noEditPoints="1" noAdjustHandles="1" noChangeArrowheads="1" noChangeShapeType="1"/>
+          </p:cNvCxnSpPr>
+          <p:nvPr>
+            <p:extLst>
+              <p:ext uri="{386F3935-93C4-4BCD-93E2-E3B085C9AB24}">
+                <p16:designElem xmlns:p16="http://schemas.microsoft.com/office/powerpoint/2015/main" val="1"/>
+              </p:ext>
+            </p:extLst>
+          </p:nvPr>
+        </p:nvCxnSpPr>
+        <p:spPr>
+          <a:xfrm flipH="1">
+            <a:off x="8228012" y="8467"/>
+            <a:ext cx="3810000" cy="3810000"/>
+          </a:xfrm>
+          <a:prstGeom prst="line">
+            <a:avLst/>
+          </a:prstGeom>
+          <a:ln w="12700">
+            <a:solidFill>
+              <a:schemeClr val="tx1"/>
+            </a:solidFill>
+          </a:ln>
+        </p:spPr>
+        <p:style>
+          <a:lnRef idx="2">
+            <a:schemeClr val="accent1"/>
+          </a:lnRef>
+          <a:fillRef idx="0">
+            <a:schemeClr val="accent1"/>
+          </a:fillRef>
+          <a:effectRef idx="1">
+            <a:schemeClr val="accent1"/>
+          </a:effectRef>
+          <a:fontRef idx="minor">
+            <a:schemeClr val="tx1"/>
+          </a:fontRef>
+        </p:style>
+      </p:cxnSp>
+      <p:cxnSp>
+        <p:nvCxnSpPr>
+          <p:cNvPr id="13" name="Straight Connector 12">
+            <a:extLst>
+              <a:ext uri="{FF2B5EF4-FFF2-40B4-BE49-F238E27FC236}">
+                <a16:creationId xmlns:a16="http://schemas.microsoft.com/office/drawing/2014/main" id="{F033F5AE-6728-4F19-8DED-658E674B31B9}"/>
+              </a:ext>
+              <a:ext uri="{C183D7F6-B498-43B3-948B-1728B52AA6E4}">
+                <adec:decorative xmlns:adec="http://schemas.microsoft.com/office/drawing/2017/decorative" val="1"/>
+              </a:ext>
+            </a:extLst>
+          </p:cNvPr>
+          <p:cNvCxnSpPr>
+            <a:cxnSpLocks noGrp="1" noRot="1" noChangeAspect="1" noMove="1" noResize="1" noEditPoints="1" noAdjustHandles="1" noChangeArrowheads="1" noChangeShapeType="1"/>
+          </p:cNvCxnSpPr>
+          <p:nvPr>
+            <p:extLst>
+              <p:ext uri="{386F3935-93C4-4BCD-93E2-E3B085C9AB24}">
+                <p16:designElem xmlns:p16="http://schemas.microsoft.com/office/powerpoint/2015/main" val="1"/>
+              </p:ext>
+            </p:extLst>
+          </p:nvPr>
+        </p:nvCxnSpPr>
+        <p:spPr>
+          <a:xfrm flipH="1">
+            <a:off x="6108170" y="91545"/>
+            <a:ext cx="6080655" cy="6080655"/>
+          </a:xfrm>
+          <a:prstGeom prst="line">
+            <a:avLst/>
+          </a:prstGeom>
+          <a:ln w="12700">
+            <a:solidFill>
+              <a:schemeClr val="tx1"/>
+            </a:solidFill>
+          </a:ln>
+        </p:spPr>
+        <p:style>
+          <a:lnRef idx="2">
+            <a:schemeClr val="accent1"/>
+          </a:lnRef>
+          <a:fillRef idx="0">
+            <a:schemeClr val="accent1"/>
+          </a:fillRef>
+          <a:effectRef idx="1">
+            <a:schemeClr val="accent1"/>
+          </a:effectRef>
+          <a:fontRef idx="minor">
+            <a:schemeClr val="tx1"/>
+          </a:fontRef>
+        </p:style>
+      </p:cxnSp>
+      <p:cxnSp>
+        <p:nvCxnSpPr>
+          <p:cNvPr id="15" name="Straight Connector 14">
+            <a:extLst>
+              <a:ext uri="{FF2B5EF4-FFF2-40B4-BE49-F238E27FC236}">
+                <a16:creationId xmlns:a16="http://schemas.microsoft.com/office/drawing/2014/main" id="{82C7D74A-18BA-4709-A808-44E8815C4430}"/>
+              </a:ext>
+              <a:ext uri="{C183D7F6-B498-43B3-948B-1728B52AA6E4}">
+                <adec:decorative xmlns:adec="http://schemas.microsoft.com/office/drawing/2017/decorative" val="1"/>
+              </a:ext>
+            </a:extLst>
+          </p:cNvPr>
+          <p:cNvCxnSpPr>
+            <a:cxnSpLocks noGrp="1" noRot="1" noChangeAspect="1" noMove="1" noResize="1" noEditPoints="1" noAdjustHandles="1" noChangeArrowheads="1" noChangeShapeType="1"/>
+          </p:cNvCxnSpPr>
+          <p:nvPr>
+            <p:extLst>
+              <p:ext uri="{386F3935-93C4-4BCD-93E2-E3B085C9AB24}">
+                <p16:designElem xmlns:p16="http://schemas.microsoft.com/office/powerpoint/2015/main" val="1"/>
+              </p:ext>
+            </p:extLst>
+          </p:nvPr>
+        </p:nvCxnSpPr>
+        <p:spPr>
+          <a:xfrm flipH="1">
+            <a:off x="7235825" y="228600"/>
+            <a:ext cx="4953000" cy="4953000"/>
+          </a:xfrm>
+          <a:prstGeom prst="line">
+            <a:avLst/>
+          </a:prstGeom>
+          <a:ln w="12700">
+            <a:solidFill>
+              <a:schemeClr val="tx1"/>
+            </a:solidFill>
+          </a:ln>
+        </p:spPr>
+        <p:style>
+          <a:lnRef idx="2">
+            <a:schemeClr val="accent1"/>
+          </a:lnRef>
+          <a:fillRef idx="0">
+            <a:schemeClr val="accent1"/>
+          </a:fillRef>
+          <a:effectRef idx="1">
+            <a:schemeClr val="accent1"/>
+          </a:effectRef>
+          <a:fontRef idx="minor">
+            <a:schemeClr val="tx1"/>
+          </a:fontRef>
+        </p:style>
+      </p:cxnSp>
+      <p:cxnSp>
+        <p:nvCxnSpPr>
+          <p:cNvPr id="17" name="Straight Connector 16">
+            <a:extLst>
+              <a:ext uri="{FF2B5EF4-FFF2-40B4-BE49-F238E27FC236}">
+                <a16:creationId xmlns:a16="http://schemas.microsoft.com/office/drawing/2014/main" id="{B5164A3F-1561-4039-8185-AB0EEB713EA7}"/>
+              </a:ext>
+              <a:ext uri="{C183D7F6-B498-43B3-948B-1728B52AA6E4}">
+                <adec:decorative xmlns:adec="http://schemas.microsoft.com/office/drawing/2017/decorative" val="1"/>
+              </a:ext>
+            </a:extLst>
+          </p:cNvPr>
+          <p:cNvCxnSpPr>
+            <a:cxnSpLocks noGrp="1" noRot="1" noChangeAspect="1" noMove="1" noResize="1" noEditPoints="1" noAdjustHandles="1" noChangeArrowheads="1" noChangeShapeType="1"/>
+          </p:cNvCxnSpPr>
+          <p:nvPr>
+            <p:extLst>
+              <p:ext uri="{386F3935-93C4-4BCD-93E2-E3B085C9AB24}">
+                <p16:designElem xmlns:p16="http://schemas.microsoft.com/office/powerpoint/2015/main" val="1"/>
+              </p:ext>
+            </p:extLst>
+          </p:nvPr>
+        </p:nvCxnSpPr>
+        <p:spPr>
+          <a:xfrm flipH="1">
+            <a:off x="7335837" y="32278"/>
+            <a:ext cx="4852989" cy="4852989"/>
+          </a:xfrm>
+          <a:prstGeom prst="line">
+            <a:avLst/>
+          </a:prstGeom>
+          <a:ln w="31750">
+            <a:solidFill>
+              <a:schemeClr val="tx1"/>
+            </a:solidFill>
+          </a:ln>
+        </p:spPr>
+        <p:style>
+          <a:lnRef idx="2">
+            <a:schemeClr val="accent1"/>
+          </a:lnRef>
+          <a:fillRef idx="0">
+            <a:schemeClr val="accent1"/>
+          </a:fillRef>
+          <a:effectRef idx="1">
+            <a:schemeClr val="accent1"/>
+          </a:effectRef>
+          <a:fontRef idx="minor">
+            <a:schemeClr val="tx1"/>
+          </a:fontRef>
+        </p:style>
+      </p:cxnSp>
+      <p:cxnSp>
+        <p:nvCxnSpPr>
+          <p:cNvPr id="19" name="Straight Connector 18">
+            <a:extLst>
+              <a:ext uri="{FF2B5EF4-FFF2-40B4-BE49-F238E27FC236}">
+                <a16:creationId xmlns:a16="http://schemas.microsoft.com/office/drawing/2014/main" id="{2A35DB53-42BE-460E-9CA1-1294C98463CB}"/>
+              </a:ext>
+              <a:ext uri="{C183D7F6-B498-43B3-948B-1728B52AA6E4}">
+                <adec:decorative xmlns:adec="http://schemas.microsoft.com/office/drawing/2017/decorative" val="1"/>
+              </a:ext>
+            </a:extLst>
+          </p:cNvPr>
+          <p:cNvCxnSpPr>
+            <a:cxnSpLocks noGrp="1" noRot="1" noChangeAspect="1" noMove="1" noResize="1" noEditPoints="1" noAdjustHandles="1" noChangeArrowheads="1" noChangeShapeType="1"/>
+          </p:cNvCxnSpPr>
+          <p:nvPr>
+            <p:extLst>
+              <p:ext uri="{386F3935-93C4-4BCD-93E2-E3B085C9AB24}">
+                <p16:designElem xmlns:p16="http://schemas.microsoft.com/office/powerpoint/2015/main" val="1"/>
+              </p:ext>
+            </p:extLst>
+          </p:nvPr>
+        </p:nvCxnSpPr>
+        <p:spPr>
+          <a:xfrm flipH="1">
+            <a:off x="7845426" y="609601"/>
+            <a:ext cx="4343399" cy="4343399"/>
+          </a:xfrm>
+          <a:prstGeom prst="line">
+            <a:avLst/>
+          </a:prstGeom>
+          <a:ln w="31750">
+            <a:solidFill>
+              <a:schemeClr val="tx1"/>
+            </a:solidFill>
+          </a:ln>
+        </p:spPr>
+        <p:style>
+          <a:lnRef idx="2">
+            <a:schemeClr val="accent1"/>
+          </a:lnRef>
+          <a:fillRef idx="0">
+            <a:schemeClr val="accent1"/>
+          </a:fillRef>
+          <a:effectRef idx="1">
+            <a:schemeClr val="accent1"/>
+          </a:effectRef>
+          <a:fontRef idx="minor">
+            <a:schemeClr val="tx1"/>
+          </a:fontRef>
+        </p:style>
+      </p:cxnSp>
+      <p:sp useBgFill="1">
+        <p:nvSpPr>
+          <p:cNvPr id="21" name="Rectangle 20">
+            <a:extLst>
+              <a:ext uri="{FF2B5EF4-FFF2-40B4-BE49-F238E27FC236}">
+                <a16:creationId xmlns:a16="http://schemas.microsoft.com/office/drawing/2014/main" id="{C5BDD1EA-D8C1-45AF-9F0A-14A2A137BA2A}"/>
+              </a:ext>
+              <a:ext uri="{C183D7F6-B498-43B3-948B-1728B52AA6E4}">
+                <adec:decorative xmlns:adec="http://schemas.microsoft.com/office/drawing/2017/decorative" val="1"/>
+              </a:ext>
+            </a:extLst>
+          </p:cNvPr>
+          <p:cNvSpPr>
+            <a:spLocks noGrp="1" noRot="1" noChangeAspect="1" noMove="1" noResize="1" noEditPoints="1" noAdjustHandles="1" noChangeArrowheads="1" noChangeShapeType="1" noTextEdit="1"/>
+          </p:cNvSpPr>
+          <p:nvPr>
+            <p:extLst>
+              <p:ext uri="{386F3935-93C4-4BCD-93E2-E3B085C9AB24}">
+                <p16:designElem xmlns:p16="http://schemas.microsoft.com/office/powerpoint/2015/main" val="1"/>
+              </p:ext>
+            </p:extLst>
+          </p:nvPr>
+        </p:nvSpPr>
+        <p:spPr>
+          <a:xfrm>
+            <a:off x="0" y="0"/>
+            <a:ext cx="12192000" cy="6858000"/>
+          </a:xfrm>
+          <a:prstGeom prst="rect">
+            <a:avLst/>
+          </a:prstGeom>
+          <a:ln>
+            <a:noFill/>
+          </a:ln>
+        </p:spPr>
+        <p:style>
+          <a:lnRef idx="2">
+            <a:schemeClr val="accent1">
+              <a:shade val="50000"/>
+            </a:schemeClr>
+          </a:lnRef>
+          <a:fillRef idx="1">
+            <a:schemeClr val="accent1"/>
+          </a:fillRef>
+          <a:effectRef idx="0">
+            <a:schemeClr val="accent1"/>
+          </a:effectRef>
+          <a:fontRef idx="minor">
+            <a:schemeClr val="lt1"/>
+          </a:fontRef>
+        </p:style>
+        <p:txBody>
+          <a:bodyPr rtlCol="0" anchor="ctr"/>
+          <a:lstStyle/>
+          <a:p>
+            <a:pPr algn="ctr"/>
+            <a:endParaRPr lang="en-US"/>
+          </a:p>
+        </p:txBody>
+      </p:sp>
+      <p:sp>
+        <p:nvSpPr>
+          <p:cNvPr id="2" name="Title 1">
+            <a:extLst>
+              <a:ext uri="{FF2B5EF4-FFF2-40B4-BE49-F238E27FC236}">
+                <a16:creationId xmlns:a16="http://schemas.microsoft.com/office/drawing/2014/main" id="{EC6B3773-CE89-4097-BD04-F75FCFD6B290}"/>
+              </a:ext>
+            </a:extLst>
+          </p:cNvPr>
+          <p:cNvSpPr>
+            <a:spLocks noGrp="1"/>
+          </p:cNvSpPr>
+          <p:nvPr>
+            <p:ph type="title"/>
+          </p:nvPr>
+        </p:nvSpPr>
+        <p:spPr>
+          <a:xfrm>
+            <a:off x="7532710" y="628617"/>
+            <a:ext cx="3971902" cy="3028983"/>
+          </a:xfrm>
+        </p:spPr>
+        <p:txBody>
+          <a:bodyPr vert="horz" lIns="91440" tIns="45720" rIns="91440" bIns="45720" rtlCol="0" anchor="b">
+            <a:normAutofit/>
+          </a:bodyPr>
+          <a:lstStyle/>
+          <a:p>
+            <a:r>
+              <a:rPr lang="en-US" sz="4400" dirty="0"/>
+              <a:t>Measures taken across the country</a:t>
+            </a:r>
+          </a:p>
+        </p:txBody>
+      </p:sp>
+      <p:sp>
+        <p:nvSpPr>
+          <p:cNvPr id="23" name="Snip Diagonal Corner Rectangle 6">
+            <a:extLst>
+              <a:ext uri="{FF2B5EF4-FFF2-40B4-BE49-F238E27FC236}">
+                <a16:creationId xmlns:a16="http://schemas.microsoft.com/office/drawing/2014/main" id="{14354E08-0068-48D7-A8AD-84C7B1CF585D}"/>
+              </a:ext>
+              <a:ext uri="{C183D7F6-B498-43B3-948B-1728B52AA6E4}">
+                <adec:decorative xmlns:adec="http://schemas.microsoft.com/office/drawing/2017/decorative" val="1"/>
+              </a:ext>
+            </a:extLst>
+          </p:cNvPr>
+          <p:cNvSpPr>
+            <a:spLocks noGrp="1" noRot="1" noChangeAspect="1" noMove="1" noResize="1" noEditPoints="1" noAdjustHandles="1" noChangeArrowheads="1" noChangeShapeType="1" noTextEdit="1"/>
+          </p:cNvSpPr>
+          <p:nvPr>
+            <p:extLst>
+              <p:ext uri="{386F3935-93C4-4BCD-93E2-E3B085C9AB24}">
+                <p16:designElem xmlns:p16="http://schemas.microsoft.com/office/powerpoint/2015/main" val="1"/>
+              </p:ext>
+            </p:extLst>
+          </p:nvPr>
+        </p:nvSpPr>
+        <p:spPr>
+          <a:xfrm>
+            <a:off x="634000" y="620722"/>
+            <a:ext cx="6575496" cy="5286838"/>
+          </a:xfrm>
+          <a:prstGeom prst="snip2DiagRect">
+            <a:avLst>
+              <a:gd name="adj1" fmla="val 10787"/>
+              <a:gd name="adj2" fmla="val 0"/>
+            </a:avLst>
+          </a:prstGeom>
+          <a:solidFill>
+            <a:schemeClr val="tx1"/>
+          </a:solidFill>
+          <a:ln>
+            <a:noFill/>
+          </a:ln>
+          <a:effectLst>
+            <a:innerShdw blurRad="57150" dist="38100" dir="14460000">
+              <a:prstClr val="black">
+                <a:alpha val="70000"/>
+              </a:prstClr>
+            </a:innerShdw>
+          </a:effectLst>
+        </p:spPr>
+        <p:style>
+          <a:lnRef idx="2">
+            <a:schemeClr val="accent1">
+              <a:shade val="50000"/>
+            </a:schemeClr>
+          </a:lnRef>
+          <a:fillRef idx="1">
+            <a:schemeClr val="accent1"/>
+          </a:fillRef>
+          <a:effectRef idx="0">
+            <a:schemeClr val="accent1"/>
+          </a:effectRef>
+          <a:fontRef idx="minor">
+            <a:schemeClr val="lt1"/>
+          </a:fontRef>
+        </p:style>
+        <p:txBody>
+          <a:bodyPr rtlCol="0" anchor="ctr"/>
+          <a:lstStyle/>
+          <a:p>
+            <a:pPr algn="ctr"/>
+            <a:endParaRPr lang="en-US"/>
+          </a:p>
+        </p:txBody>
+      </p:sp>
+      <p:pic>
+        <p:nvPicPr>
+          <p:cNvPr id="5" name="Content Placeholder 4" descr="A person wearing a blue hat&#10;&#10;Description automatically generated">
+            <a:extLst>
+              <a:ext uri="{FF2B5EF4-FFF2-40B4-BE49-F238E27FC236}">
+                <a16:creationId xmlns:a16="http://schemas.microsoft.com/office/drawing/2014/main" id="{52E931F8-ADA9-401A-BA19-DEC3D59063BC}"/>
+              </a:ext>
+            </a:extLst>
+          </p:cNvPr>
+          <p:cNvPicPr>
+            <a:picLocks noGrp="1" noChangeAspect="1"/>
+          </p:cNvPicPr>
+          <p:nvPr>
+            <p:ph idx="1"/>
+          </p:nvPr>
+        </p:nvPicPr>
+        <p:blipFill rotWithShape="1">
+          <a:blip r:embed="rId2">
+            <a:extLst>
+              <a:ext uri="{28A0092B-C50C-407E-A947-70E740481C1C}">
+                <a14:useLocalDpi xmlns:a14="http://schemas.microsoft.com/office/drawing/2010/main" val="0"/>
+              </a:ext>
+              <a:ext uri="{837473B0-CC2E-450A-ABE3-18F120FF3D39}">
+                <a1611:picAttrSrcUrl xmlns:a1611="http://schemas.microsoft.com/office/drawing/2016/11/main" r:id="rId3"/>
+              </a:ext>
+            </a:extLst>
+          </a:blip>
+          <a:srcRect l="13313" r="15174" b="1"/>
+          <a:stretch/>
+        </p:blipFill>
+        <p:spPr>
+          <a:xfrm>
+            <a:off x="799072" y="786117"/>
+            <a:ext cx="6245352" cy="4956048"/>
+          </a:xfrm>
+          <a:custGeom>
+            <a:avLst/>
+            <a:gdLst/>
+            <a:ahLst/>
+            <a:cxnLst/>
+            <a:rect l="l" t="t" r="r" b="b"/>
+            <a:pathLst>
+              <a:path w="6245352" h="4956048">
+                <a:moveTo>
+                  <a:pt x="534609" y="0"/>
+                </a:moveTo>
+                <a:lnTo>
+                  <a:pt x="6245352" y="0"/>
+                </a:lnTo>
+                <a:lnTo>
+                  <a:pt x="6245352" y="4421439"/>
+                </a:lnTo>
+                <a:lnTo>
+                  <a:pt x="5710743" y="4956048"/>
+                </a:lnTo>
+                <a:lnTo>
+                  <a:pt x="0" y="4956048"/>
+                </a:lnTo>
+                <a:lnTo>
+                  <a:pt x="0" y="534609"/>
+                </a:lnTo>
+                <a:close/>
+              </a:path>
+            </a:pathLst>
+          </a:custGeom>
+        </p:spPr>
+      </p:pic>
+      <p:grpSp>
+        <p:nvGrpSpPr>
+          <p:cNvPr id="25" name="Group 24">
+            <a:extLst>
+              <a:ext uri="{FF2B5EF4-FFF2-40B4-BE49-F238E27FC236}">
+                <a16:creationId xmlns:a16="http://schemas.microsoft.com/office/drawing/2014/main" id="{A779F34F-2960-4B81-BA08-445B6F6A0CD7}"/>
+              </a:ext>
+              <a:ext uri="{C183D7F6-B498-43B3-948B-1728B52AA6E4}">
+                <adec:decorative xmlns:adec="http://schemas.microsoft.com/office/drawing/2017/decorative" val="1"/>
+              </a:ext>
+            </a:extLst>
+          </p:cNvPr>
+          <p:cNvGrpSpPr>
+            <a:grpSpLocks noGrp="1" noUngrp="1" noRot="1" noChangeAspect="1" noMove="1" noResize="1"/>
+          </p:cNvGrpSpPr>
+          <p:nvPr>
+            <p:extLst>
+              <p:ext uri="{386F3935-93C4-4BCD-93E2-E3B085C9AB24}">
+                <p16:designElem xmlns:p16="http://schemas.microsoft.com/office/powerpoint/2015/main" val="1"/>
+              </p:ext>
+            </p:extLst>
+          </p:nvPr>
+        </p:nvGrpSpPr>
+        <p:grpSpPr>
+          <a:xfrm>
+            <a:off x="9206969" y="2963333"/>
+            <a:ext cx="2981858" cy="3208867"/>
+            <a:chOff x="9206969" y="2963333"/>
+            <a:chExt cx="2981858" cy="3208867"/>
+          </a:xfrm>
+        </p:grpSpPr>
+        <p:cxnSp>
+          <p:nvCxnSpPr>
+            <p:cNvPr id="26" name="Straight Connector 25">
+              <a:extLst>
+                <a:ext uri="{FF2B5EF4-FFF2-40B4-BE49-F238E27FC236}">
+                  <a16:creationId xmlns:a16="http://schemas.microsoft.com/office/drawing/2014/main" id="{10A57ACC-416F-4A5D-B7F7-DDA9886A3A6C}"/>
+                </a:ext>
+                <a:ext uri="{C183D7F6-B498-43B3-948B-1728B52AA6E4}">
+                  <adec:decorative xmlns:adec="http://schemas.microsoft.com/office/drawing/2017/decorative" val="1"/>
+                </a:ext>
+              </a:extLst>
+            </p:cNvPr>
+            <p:cNvCxnSpPr/>
+            <p:nvPr>
+              <p:extLst>
+                <p:ext uri="{386F3935-93C4-4BCD-93E2-E3B085C9AB24}">
+                  <p16:designElem xmlns:p16="http://schemas.microsoft.com/office/powerpoint/2015/main" val="1"/>
+                </p:ext>
+              </p:extLst>
+            </p:nvPr>
+          </p:nvCxnSpPr>
+          <p:spPr>
+            <a:xfrm flipH="1">
+              <a:off x="11276012" y="2963333"/>
+              <a:ext cx="912814" cy="912812"/>
+            </a:xfrm>
+            <a:prstGeom prst="line">
+              <a:avLst/>
+            </a:prstGeom>
+            <a:ln w="9525">
+              <a:solidFill>
+                <a:schemeClr val="tx1"/>
+              </a:solidFill>
+            </a:ln>
+          </p:spPr>
+          <p:style>
+            <a:lnRef idx="2">
+              <a:schemeClr val="accent1"/>
+            </a:lnRef>
+            <a:fillRef idx="0">
+              <a:schemeClr val="accent1"/>
+            </a:fillRef>
+            <a:effectRef idx="1">
+              <a:schemeClr val="accent1"/>
+            </a:effectRef>
+            <a:fontRef idx="minor">
+              <a:schemeClr val="tx1"/>
+            </a:fontRef>
+          </p:style>
+        </p:cxnSp>
+        <p:cxnSp>
+          <p:nvCxnSpPr>
+            <p:cNvPr id="27" name="Straight Connector 26">
+              <a:extLst>
+                <a:ext uri="{FF2B5EF4-FFF2-40B4-BE49-F238E27FC236}">
+                  <a16:creationId xmlns:a16="http://schemas.microsoft.com/office/drawing/2014/main" id="{26522B4F-50C4-4FCE-8AE2-3789D63ED338}"/>
+                </a:ext>
+                <a:ext uri="{C183D7F6-B498-43B3-948B-1728B52AA6E4}">
+                  <adec:decorative xmlns:adec="http://schemas.microsoft.com/office/drawing/2017/decorative" val="1"/>
+                </a:ext>
+              </a:extLst>
+            </p:cNvPr>
+            <p:cNvCxnSpPr/>
+            <p:nvPr>
+              <p:extLst>
+                <p:ext uri="{386F3935-93C4-4BCD-93E2-E3B085C9AB24}">
+                  <p16:designElem xmlns:p16="http://schemas.microsoft.com/office/powerpoint/2015/main" val="1"/>
+                </p:ext>
+              </p:extLst>
+            </p:nvPr>
+          </p:nvCxnSpPr>
+          <p:spPr>
+            <a:xfrm flipH="1">
+              <a:off x="9206969" y="3190344"/>
+              <a:ext cx="2981857" cy="2981856"/>
+            </a:xfrm>
+            <a:prstGeom prst="line">
+              <a:avLst/>
+            </a:prstGeom>
+            <a:ln w="9525">
+              <a:solidFill>
+                <a:schemeClr val="tx1"/>
+              </a:solidFill>
+            </a:ln>
+          </p:spPr>
+          <p:style>
+            <a:lnRef idx="2">
+              <a:schemeClr val="accent1"/>
+            </a:lnRef>
+            <a:fillRef idx="0">
+              <a:schemeClr val="accent1"/>
+            </a:fillRef>
+            <a:effectRef idx="1">
+              <a:schemeClr val="accent1"/>
+            </a:effectRef>
+            <a:fontRef idx="minor">
+              <a:schemeClr val="tx1"/>
+            </a:fontRef>
+          </p:style>
+        </p:cxnSp>
+        <p:cxnSp>
+          <p:nvCxnSpPr>
+            <p:cNvPr id="28" name="Straight Connector 27">
+              <a:extLst>
+                <a:ext uri="{FF2B5EF4-FFF2-40B4-BE49-F238E27FC236}">
+                  <a16:creationId xmlns:a16="http://schemas.microsoft.com/office/drawing/2014/main" id="{2C3978FC-B5D1-42BE-B086-BC2A733D58F0}"/>
+                </a:ext>
+                <a:ext uri="{C183D7F6-B498-43B3-948B-1728B52AA6E4}">
+                  <adec:decorative xmlns:adec="http://schemas.microsoft.com/office/drawing/2017/decorative" val="1"/>
+                </a:ext>
+              </a:extLst>
+            </p:cNvPr>
+            <p:cNvCxnSpPr/>
+            <p:nvPr>
+              <p:extLst>
+                <p:ext uri="{386F3935-93C4-4BCD-93E2-E3B085C9AB24}">
+                  <p16:designElem xmlns:p16="http://schemas.microsoft.com/office/powerpoint/2015/main" val="1"/>
+                </p:ext>
+              </p:extLst>
+            </p:nvPr>
+          </p:nvCxnSpPr>
+          <p:spPr>
+            <a:xfrm flipH="1">
+              <a:off x="10292292" y="3285067"/>
+              <a:ext cx="1896534" cy="1896533"/>
+            </a:xfrm>
+            <a:prstGeom prst="line">
+              <a:avLst/>
+            </a:prstGeom>
+            <a:ln w="9525">
+              <a:solidFill>
+                <a:schemeClr val="tx1"/>
+              </a:solidFill>
+            </a:ln>
+          </p:spPr>
+          <p:style>
+            <a:lnRef idx="2">
+              <a:schemeClr val="accent1"/>
+            </a:lnRef>
+            <a:fillRef idx="0">
+              <a:schemeClr val="accent1"/>
+            </a:fillRef>
+            <a:effectRef idx="1">
+              <a:schemeClr val="accent1"/>
+            </a:effectRef>
+            <a:fontRef idx="minor">
+              <a:schemeClr val="tx1"/>
+            </a:fontRef>
+          </p:style>
+        </p:cxnSp>
+        <p:cxnSp>
+          <p:nvCxnSpPr>
+            <p:cNvPr id="29" name="Straight Connector 28">
+              <a:extLst>
+                <a:ext uri="{FF2B5EF4-FFF2-40B4-BE49-F238E27FC236}">
+                  <a16:creationId xmlns:a16="http://schemas.microsoft.com/office/drawing/2014/main" id="{ACED99F1-340D-4970-8E66-3B28E9271122}"/>
+                </a:ext>
+                <a:ext uri="{C183D7F6-B498-43B3-948B-1728B52AA6E4}">
+                  <adec:decorative xmlns:adec="http://schemas.microsoft.com/office/drawing/2017/decorative" val="1"/>
+                </a:ext>
+              </a:extLst>
+            </p:cNvPr>
+            <p:cNvCxnSpPr/>
+            <p:nvPr>
+              <p:extLst>
+                <p:ext uri="{386F3935-93C4-4BCD-93E2-E3B085C9AB24}">
+                  <p16:designElem xmlns:p16="http://schemas.microsoft.com/office/powerpoint/2015/main" val="1"/>
+                </p:ext>
+              </p:extLst>
+            </p:nvPr>
+          </p:nvCxnSpPr>
+          <p:spPr>
+            <a:xfrm flipH="1">
+              <a:off x="10443103" y="3131080"/>
+              <a:ext cx="1745722" cy="1745720"/>
+            </a:xfrm>
+            <a:prstGeom prst="line">
+              <a:avLst/>
+            </a:prstGeom>
+            <a:ln w="28575">
+              <a:solidFill>
+                <a:schemeClr val="tx1"/>
+              </a:solidFill>
+            </a:ln>
+          </p:spPr>
+          <p:style>
+            <a:lnRef idx="2">
+              <a:schemeClr val="accent1"/>
+            </a:lnRef>
+            <a:fillRef idx="0">
+              <a:schemeClr val="accent1"/>
+            </a:fillRef>
+            <a:effectRef idx="1">
+              <a:schemeClr val="accent1"/>
+            </a:effectRef>
+            <a:fontRef idx="minor">
+              <a:schemeClr val="tx1"/>
+            </a:fontRef>
+          </p:style>
+        </p:cxnSp>
+        <p:cxnSp>
+          <p:nvCxnSpPr>
+            <p:cNvPr id="30" name="Straight Connector 29">
+              <a:extLst>
+                <a:ext uri="{FF2B5EF4-FFF2-40B4-BE49-F238E27FC236}">
+                  <a16:creationId xmlns:a16="http://schemas.microsoft.com/office/drawing/2014/main" id="{50A54E39-63C0-4847-A766-C6B74FEB48D9}"/>
+                </a:ext>
+                <a:ext uri="{C183D7F6-B498-43B3-948B-1728B52AA6E4}">
+                  <adec:decorative xmlns:adec="http://schemas.microsoft.com/office/drawing/2017/decorative" val="1"/>
+                </a:ext>
+              </a:extLst>
+            </p:cNvPr>
+            <p:cNvCxnSpPr/>
+            <p:nvPr>
+              <p:extLst>
+                <p:ext uri="{386F3935-93C4-4BCD-93E2-E3B085C9AB24}">
+                  <p16:designElem xmlns:p16="http://schemas.microsoft.com/office/powerpoint/2015/main" val="1"/>
+                </p:ext>
+              </p:extLst>
+            </p:nvPr>
+          </p:nvCxnSpPr>
+          <p:spPr>
+            <a:xfrm flipH="1">
+              <a:off x="10918826" y="3683001"/>
+              <a:ext cx="1270001" cy="1269999"/>
+            </a:xfrm>
+            <a:prstGeom prst="line">
+              <a:avLst/>
+            </a:prstGeom>
+            <a:ln w="28575">
+              <a:solidFill>
+                <a:schemeClr val="tx1"/>
+              </a:solidFill>
+            </a:ln>
+          </p:spPr>
+          <p:style>
+            <a:lnRef idx="2">
+              <a:schemeClr val="accent1"/>
+            </a:lnRef>
+            <a:fillRef idx="0">
+              <a:schemeClr val="accent1"/>
+            </a:fillRef>
+            <a:effectRef idx="1">
+              <a:schemeClr val="accent1"/>
+            </a:effectRef>
+            <a:fontRef idx="minor">
+              <a:schemeClr val="tx1"/>
+            </a:fontRef>
+          </p:style>
+        </p:cxnSp>
+      </p:grpSp>
+      <p:sp>
+        <p:nvSpPr>
+          <p:cNvPr id="6" name="TextBox 5">
+            <a:extLst>
+              <a:ext uri="{FF2B5EF4-FFF2-40B4-BE49-F238E27FC236}">
+                <a16:creationId xmlns:a16="http://schemas.microsoft.com/office/drawing/2014/main" id="{2891D668-AAA7-4310-B78A-12EB9C1AD78C}"/>
+              </a:ext>
+            </a:extLst>
+          </p:cNvPr>
+          <p:cNvSpPr txBox="1"/>
+          <p:nvPr/>
+        </p:nvSpPr>
+        <p:spPr>
+          <a:xfrm>
+            <a:off x="9489017" y="6657945"/>
+            <a:ext cx="2702983" cy="200055"/>
+          </a:xfrm>
+          <a:prstGeom prst="rect">
+            <a:avLst/>
+          </a:prstGeom>
+          <a:solidFill>
+            <a:srgbClr val="000000"/>
+          </a:solidFill>
+        </p:spPr>
+        <p:txBody>
+          <a:bodyPr wrap="none" rtlCol="0">
+            <a:spAutoFit/>
+          </a:bodyPr>
+          <a:lstStyle/>
+          <a:p>
+            <a:pPr algn="r">
+              <a:spcAft>
+                <a:spcPts val="600"/>
+              </a:spcAft>
+            </a:pPr>
+            <a:r>
+              <a:rPr lang="en-CA" sz="700">
+                <a:solidFill>
+                  <a:srgbClr val="FFFFFF"/>
+                </a:solidFill>
+                <a:hlinkClick r:id="rId3" tooltip="https://www.northcarolinahealthnews.org/2020/03/23/north-carolina-hospitals-asking-for-masks-gloves-for-covid-19-response/">
+                  <a:extLst>
+                    <a:ext uri="{A12FA001-AC4F-418D-AE19-62706E023703}">
+                      <ahyp:hlinkClr xmlns:ahyp="http://schemas.microsoft.com/office/drawing/2018/hyperlinkcolor" val="tx"/>
+                    </a:ext>
+                  </a:extLst>
+                </a:hlinkClick>
+              </a:rPr>
+              <a:t>This Photo</a:t>
+            </a:r>
+            <a:r>
+              <a:rPr lang="en-CA" sz="700">
+                <a:solidFill>
+                  <a:srgbClr val="FFFFFF"/>
+                </a:solidFill>
+              </a:rPr>
+              <a:t> by Unknown Author is licensed under </a:t>
+            </a:r>
+            <a:r>
+              <a:rPr lang="en-CA" sz="700">
+                <a:solidFill>
+                  <a:srgbClr val="FFFFFF"/>
+                </a:solidFill>
+                <a:hlinkClick r:id="rId4" tooltip="https://creativecommons.org/licenses/by-nd/3.0/">
+                  <a:extLst>
+                    <a:ext uri="{A12FA001-AC4F-418D-AE19-62706E023703}">
+                      <ahyp:hlinkClr xmlns:ahyp="http://schemas.microsoft.com/office/drawing/2018/hyperlinkcolor" val="tx"/>
+                    </a:ext>
+                  </a:extLst>
+                </a:hlinkClick>
+              </a:rPr>
+              <a:t>CC BY-ND</a:t>
+            </a:r>
+            <a:endParaRPr lang="en-CA" sz="700">
+              <a:solidFill>
+                <a:srgbClr val="FFFFFF"/>
+              </a:solidFill>
+            </a:endParaRPr>
+          </a:p>
+        </p:txBody>
+      </p:sp>
+    </p:spTree>
+    <p:extLst>
+      <p:ext uri="{BB962C8B-B14F-4D97-AF65-F5344CB8AC3E}">
+        <p14:creationId xmlns:p14="http://schemas.microsoft.com/office/powerpoint/2010/main" val="275150511"/>
+      </p:ext>
+    </p:extLst>
+  </p:cSld>
+  <p:clrMapOvr>
+    <a:masterClrMapping/>
+  </p:clrMapOvr>
+</p:sld>
+</file>
+
+<file path=ppt/slides/slide4.xml><?xml version="1.0" encoding="utf-8"?>
+<p:sld xmlns:a="http://schemas.openxmlformats.org/drawingml/2006/main" xmlns:r="http://schemas.openxmlformats.org/officeDocument/2006/relationships" xmlns:p="http://schemas.openxmlformats.org/presentationml/2006/main">
+  <p:cSld>
+    <p:spTree>
+      <p:nvGrpSpPr>
+        <p:cNvPr id="1" name=""/>
+        <p:cNvGrpSpPr/>
+        <p:nvPr/>
+      </p:nvGrpSpPr>
+      <p:grpSpPr>
+        <a:xfrm>
+          <a:off x="0" y="0"/>
+          <a:ext cx="0" cy="0"/>
+          <a:chOff x="0" y="0"/>
+          <a:chExt cx="0" cy="0"/>
+        </a:xfrm>
+      </p:grpSpPr>
+      <p:sp>
+        <p:nvSpPr>
+          <p:cNvPr id="2" name="Title 1">
+            <a:extLst>
+              <a:ext uri="{FF2B5EF4-FFF2-40B4-BE49-F238E27FC236}">
+                <a16:creationId xmlns:a16="http://schemas.microsoft.com/office/drawing/2014/main" id="{E944C18D-2960-4824-9044-9495D638E0C7}"/>
+              </a:ext>
+            </a:extLst>
+          </p:cNvPr>
+          <p:cNvSpPr>
+            <a:spLocks noGrp="1"/>
+          </p:cNvSpPr>
+          <p:nvPr>
+            <p:ph type="title"/>
+          </p:nvPr>
+        </p:nvSpPr>
+        <p:spPr>
+          <a:xfrm>
+            <a:off x="684212" y="109026"/>
+            <a:ext cx="8534400" cy="1213338"/>
+          </a:xfrm>
+        </p:spPr>
+        <p:txBody>
+          <a:bodyPr/>
+          <a:lstStyle/>
+          <a:p>
+            <a:r>
+              <a:rPr lang="en-CA" dirty="0"/>
+              <a:t>Timeline</a:t>
+            </a:r>
+          </a:p>
+        </p:txBody>
+      </p:sp>
+      <p:sp>
+        <p:nvSpPr>
+          <p:cNvPr id="3" name="Content Placeholder 2">
+            <a:extLst>
+              <a:ext uri="{FF2B5EF4-FFF2-40B4-BE49-F238E27FC236}">
+                <a16:creationId xmlns:a16="http://schemas.microsoft.com/office/drawing/2014/main" id="{7CCF0432-5E05-4BC4-96C4-E07D816252B2}"/>
+              </a:ext>
+            </a:extLst>
+          </p:cNvPr>
+          <p:cNvSpPr>
+            <a:spLocks noGrp="1"/>
+          </p:cNvSpPr>
+          <p:nvPr>
+            <p:ph idx="1"/>
+          </p:nvPr>
+        </p:nvSpPr>
+        <p:spPr>
+          <a:xfrm>
+            <a:off x="684212" y="970671"/>
+            <a:ext cx="8534400" cy="5275385"/>
+          </a:xfrm>
+        </p:spPr>
+        <p:txBody>
+          <a:bodyPr>
+            <a:normAutofit lnSpcReduction="10000"/>
+          </a:bodyPr>
+          <a:lstStyle/>
+          <a:p>
+            <a:r>
+              <a:rPr lang="en-CA" dirty="0">
+                <a:solidFill>
+                  <a:schemeClr val="tx1"/>
+                </a:solidFill>
+              </a:rPr>
+              <a:t>Alberta</a:t>
+            </a:r>
+          </a:p>
+          <a:p>
+            <a:pPr lvl="1"/>
+            <a:r>
+              <a:rPr lang="en-CA" dirty="0">
+                <a:solidFill>
+                  <a:schemeClr val="tx1"/>
+                </a:solidFill>
+              </a:rPr>
+              <a:t>First Case: March 5</a:t>
+            </a:r>
+          </a:p>
+          <a:p>
+            <a:pPr lvl="1"/>
+            <a:r>
+              <a:rPr lang="en-CA" dirty="0">
+                <a:solidFill>
+                  <a:schemeClr val="tx1"/>
+                </a:solidFill>
+              </a:rPr>
+              <a:t>Self-isolation/Social Distancing Measures: March 25</a:t>
+            </a:r>
+          </a:p>
+          <a:p>
+            <a:pPr lvl="1"/>
+            <a:r>
+              <a:rPr lang="en-CA" dirty="0">
+                <a:solidFill>
+                  <a:schemeClr val="tx1"/>
+                </a:solidFill>
+              </a:rPr>
+              <a:t>Halt Nursing Homes Visits: April 7</a:t>
+            </a:r>
+          </a:p>
+          <a:p>
+            <a:r>
+              <a:rPr lang="en-CA" dirty="0">
+                <a:solidFill>
+                  <a:schemeClr val="tx1"/>
+                </a:solidFill>
+              </a:rPr>
+              <a:t>Ontario</a:t>
+            </a:r>
+          </a:p>
+          <a:p>
+            <a:pPr lvl="1"/>
+            <a:r>
+              <a:rPr lang="en-CA" dirty="0">
+                <a:solidFill>
+                  <a:schemeClr val="tx1"/>
+                </a:solidFill>
+              </a:rPr>
+              <a:t>First Case: January 22</a:t>
+            </a:r>
+          </a:p>
+          <a:p>
+            <a:pPr lvl="1"/>
+            <a:r>
+              <a:rPr lang="en-CA" dirty="0">
+                <a:solidFill>
+                  <a:schemeClr val="tx1"/>
+                </a:solidFill>
+              </a:rPr>
+              <a:t>State of Emergency: March 17</a:t>
+            </a:r>
+          </a:p>
+          <a:p>
+            <a:pPr lvl="1"/>
+            <a:r>
+              <a:rPr lang="en-CA" dirty="0">
+                <a:solidFill>
+                  <a:schemeClr val="tx1"/>
+                </a:solidFill>
+              </a:rPr>
+              <a:t>Banning visits to LTC Facilities: March 14</a:t>
+            </a:r>
+          </a:p>
+          <a:p>
+            <a:pPr lvl="1"/>
+            <a:r>
+              <a:rPr lang="en-CA" dirty="0">
+                <a:solidFill>
+                  <a:schemeClr val="tx1"/>
+                </a:solidFill>
+              </a:rPr>
+              <a:t>Halt transfer to Nursing Homes: April 17</a:t>
+            </a:r>
+          </a:p>
+          <a:p>
+            <a:r>
+              <a:rPr lang="en-CA" dirty="0">
+                <a:solidFill>
+                  <a:schemeClr val="tx1"/>
+                </a:solidFill>
+              </a:rPr>
+              <a:t>British Colombia</a:t>
+            </a:r>
+          </a:p>
+          <a:p>
+            <a:pPr lvl="1"/>
+            <a:r>
+              <a:rPr lang="en-CA" dirty="0">
+                <a:solidFill>
+                  <a:schemeClr val="tx1"/>
+                </a:solidFill>
+              </a:rPr>
+              <a:t>First Case: January 28</a:t>
+            </a:r>
+          </a:p>
+          <a:p>
+            <a:pPr lvl="1"/>
+            <a:r>
+              <a:rPr lang="en-CA" dirty="0">
+                <a:solidFill>
+                  <a:schemeClr val="tx1"/>
+                </a:solidFill>
+              </a:rPr>
+              <a:t>State of Emergency:  March 18</a:t>
+            </a:r>
+          </a:p>
+          <a:p>
+            <a:pPr lvl="1"/>
+            <a:r>
+              <a:rPr lang="en-CA" dirty="0">
+                <a:solidFill>
+                  <a:schemeClr val="tx1"/>
+                </a:solidFill>
+              </a:rPr>
+              <a:t>Banning Visits to LTC Facilities: March 21</a:t>
+            </a:r>
+          </a:p>
+          <a:p>
+            <a:pPr lvl="1"/>
+            <a:endParaRPr lang="en-CA" dirty="0">
+              <a:solidFill>
+                <a:schemeClr val="tx1"/>
+              </a:solidFill>
+            </a:endParaRPr>
+          </a:p>
+        </p:txBody>
+      </p:sp>
+    </p:spTree>
+    <p:extLst>
+      <p:ext uri="{BB962C8B-B14F-4D97-AF65-F5344CB8AC3E}">
+        <p14:creationId xmlns:p14="http://schemas.microsoft.com/office/powerpoint/2010/main" val="2211600519"/>
+      </p:ext>
+    </p:extLst>
+  </p:cSld>
+  <p:clrMapOvr>
+    <a:masterClrMapping/>
+  </p:clrMapOvr>
+</p:sld>
+</file>
+
+<file path=ppt/slides/slide5.xml><?xml version="1.0" encoding="utf-8"?>
+<p:sld xmlns:a="http://schemas.openxmlformats.org/drawingml/2006/main" xmlns:r="http://schemas.openxmlformats.org/officeDocument/2006/relationships" xmlns:p="http://schemas.openxmlformats.org/presentationml/2006/main">
+  <p:cSld>
     <p:bg>
       <p:bgPr>
         <a:gradFill rotWithShape="1">
@@ -5835,8 +7115,8 @@
           <a:lstStyle/>
           <a:p>
             <a:r>
-              <a:rPr lang="en-US" sz="4800"/>
-              <a:t>Infection across provinces</a:t>
+              <a:rPr lang="en-US" sz="4800" dirty="0"/>
+              <a:t>Mapping the infection</a:t>
             </a:r>
           </a:p>
         </p:txBody>
@@ -6348,919 +7628,6 @@
     <p:extLst>
       <p:ext uri="{BB962C8B-B14F-4D97-AF65-F5344CB8AC3E}">
         <p14:creationId xmlns:p14="http://schemas.microsoft.com/office/powerpoint/2010/main" val="4183648796"/>
-      </p:ext>
-    </p:extLst>
-  </p:cSld>
-  <p:clrMapOvr>
-    <a:masterClrMapping/>
-  </p:clrMapOvr>
-</p:sld>
-</file>
-
-<file path=ppt/slides/slide3.xml><?xml version="1.0" encoding="utf-8"?>
-<p:sld xmlns:a="http://schemas.openxmlformats.org/drawingml/2006/main" xmlns:r="http://schemas.openxmlformats.org/officeDocument/2006/relationships" xmlns:p="http://schemas.openxmlformats.org/presentationml/2006/main">
-  <p:cSld>
-    <p:bg>
-      <p:bgPr>
-        <a:gradFill rotWithShape="1">
-          <a:gsLst>
-            <a:gs pos="10000">
-              <a:schemeClr val="bg2">
-                <a:tint val="97000"/>
-                <a:hueMod val="92000"/>
-                <a:satMod val="169000"/>
-                <a:lumMod val="164000"/>
-              </a:schemeClr>
-            </a:gs>
-            <a:gs pos="100000">
-              <a:schemeClr val="bg2">
-                <a:shade val="96000"/>
-                <a:satMod val="120000"/>
-                <a:lumMod val="90000"/>
-              </a:schemeClr>
-            </a:gs>
-          </a:gsLst>
-          <a:lin ang="6120000" scaled="1"/>
-        </a:gradFill>
-        <a:effectLst/>
-      </p:bgPr>
-    </p:bg>
-    <p:spTree>
-      <p:nvGrpSpPr>
-        <p:cNvPr id="1" name=""/>
-        <p:cNvGrpSpPr/>
-        <p:nvPr/>
-      </p:nvGrpSpPr>
-      <p:grpSpPr>
-        <a:xfrm>
-          <a:off x="0" y="0"/>
-          <a:ext cx="0" cy="0"/>
-          <a:chOff x="0" y="0"/>
-          <a:chExt cx="0" cy="0"/>
-        </a:xfrm>
-      </p:grpSpPr>
-      <p:cxnSp>
-        <p:nvCxnSpPr>
-          <p:cNvPr id="11" name="Straight Connector 10">
-            <a:extLst>
-              <a:ext uri="{FF2B5EF4-FFF2-40B4-BE49-F238E27FC236}">
-                <a16:creationId xmlns:a16="http://schemas.microsoft.com/office/drawing/2014/main" id="{8FD48FB1-66D8-4676-B0AA-C139A1DB78D1}"/>
-              </a:ext>
-              <a:ext uri="{C183D7F6-B498-43B3-948B-1728B52AA6E4}">
-                <adec:decorative xmlns:adec="http://schemas.microsoft.com/office/drawing/2017/decorative" val="1"/>
-              </a:ext>
-            </a:extLst>
-          </p:cNvPr>
-          <p:cNvCxnSpPr>
-            <a:cxnSpLocks noGrp="1" noRot="1" noChangeAspect="1" noMove="1" noResize="1" noEditPoints="1" noAdjustHandles="1" noChangeArrowheads="1" noChangeShapeType="1"/>
-          </p:cNvCxnSpPr>
-          <p:nvPr>
-            <p:extLst>
-              <p:ext uri="{386F3935-93C4-4BCD-93E2-E3B085C9AB24}">
-                <p16:designElem xmlns:p16="http://schemas.microsoft.com/office/powerpoint/2015/main" val="1"/>
-              </p:ext>
-            </p:extLst>
-          </p:nvPr>
-        </p:nvCxnSpPr>
-        <p:spPr>
-          <a:xfrm flipH="1">
-            <a:off x="8228012" y="8467"/>
-            <a:ext cx="3810000" cy="3810000"/>
-          </a:xfrm>
-          <a:prstGeom prst="line">
-            <a:avLst/>
-          </a:prstGeom>
-          <a:ln w="12700">
-            <a:solidFill>
-              <a:schemeClr val="tx1"/>
-            </a:solidFill>
-          </a:ln>
-        </p:spPr>
-        <p:style>
-          <a:lnRef idx="2">
-            <a:schemeClr val="accent1"/>
-          </a:lnRef>
-          <a:fillRef idx="0">
-            <a:schemeClr val="accent1"/>
-          </a:fillRef>
-          <a:effectRef idx="1">
-            <a:schemeClr val="accent1"/>
-          </a:effectRef>
-          <a:fontRef idx="minor">
-            <a:schemeClr val="tx1"/>
-          </a:fontRef>
-        </p:style>
-      </p:cxnSp>
-      <p:cxnSp>
-        <p:nvCxnSpPr>
-          <p:cNvPr id="13" name="Straight Connector 12">
-            <a:extLst>
-              <a:ext uri="{FF2B5EF4-FFF2-40B4-BE49-F238E27FC236}">
-                <a16:creationId xmlns:a16="http://schemas.microsoft.com/office/drawing/2014/main" id="{F033F5AE-6728-4F19-8DED-658E674B31B9}"/>
-              </a:ext>
-              <a:ext uri="{C183D7F6-B498-43B3-948B-1728B52AA6E4}">
-                <adec:decorative xmlns:adec="http://schemas.microsoft.com/office/drawing/2017/decorative" val="1"/>
-              </a:ext>
-            </a:extLst>
-          </p:cNvPr>
-          <p:cNvCxnSpPr>
-            <a:cxnSpLocks noGrp="1" noRot="1" noChangeAspect="1" noMove="1" noResize="1" noEditPoints="1" noAdjustHandles="1" noChangeArrowheads="1" noChangeShapeType="1"/>
-          </p:cNvCxnSpPr>
-          <p:nvPr>
-            <p:extLst>
-              <p:ext uri="{386F3935-93C4-4BCD-93E2-E3B085C9AB24}">
-                <p16:designElem xmlns:p16="http://schemas.microsoft.com/office/powerpoint/2015/main" val="1"/>
-              </p:ext>
-            </p:extLst>
-          </p:nvPr>
-        </p:nvCxnSpPr>
-        <p:spPr>
-          <a:xfrm flipH="1">
-            <a:off x="6108170" y="91545"/>
-            <a:ext cx="6080655" cy="6080655"/>
-          </a:xfrm>
-          <a:prstGeom prst="line">
-            <a:avLst/>
-          </a:prstGeom>
-          <a:ln w="12700">
-            <a:solidFill>
-              <a:schemeClr val="tx1"/>
-            </a:solidFill>
-          </a:ln>
-        </p:spPr>
-        <p:style>
-          <a:lnRef idx="2">
-            <a:schemeClr val="accent1"/>
-          </a:lnRef>
-          <a:fillRef idx="0">
-            <a:schemeClr val="accent1"/>
-          </a:fillRef>
-          <a:effectRef idx="1">
-            <a:schemeClr val="accent1"/>
-          </a:effectRef>
-          <a:fontRef idx="minor">
-            <a:schemeClr val="tx1"/>
-          </a:fontRef>
-        </p:style>
-      </p:cxnSp>
-      <p:cxnSp>
-        <p:nvCxnSpPr>
-          <p:cNvPr id="15" name="Straight Connector 14">
-            <a:extLst>
-              <a:ext uri="{FF2B5EF4-FFF2-40B4-BE49-F238E27FC236}">
-                <a16:creationId xmlns:a16="http://schemas.microsoft.com/office/drawing/2014/main" id="{82C7D74A-18BA-4709-A808-44E8815C4430}"/>
-              </a:ext>
-              <a:ext uri="{C183D7F6-B498-43B3-948B-1728B52AA6E4}">
-                <adec:decorative xmlns:adec="http://schemas.microsoft.com/office/drawing/2017/decorative" val="1"/>
-              </a:ext>
-            </a:extLst>
-          </p:cNvPr>
-          <p:cNvCxnSpPr>
-            <a:cxnSpLocks noGrp="1" noRot="1" noChangeAspect="1" noMove="1" noResize="1" noEditPoints="1" noAdjustHandles="1" noChangeArrowheads="1" noChangeShapeType="1"/>
-          </p:cNvCxnSpPr>
-          <p:nvPr>
-            <p:extLst>
-              <p:ext uri="{386F3935-93C4-4BCD-93E2-E3B085C9AB24}">
-                <p16:designElem xmlns:p16="http://schemas.microsoft.com/office/powerpoint/2015/main" val="1"/>
-              </p:ext>
-            </p:extLst>
-          </p:nvPr>
-        </p:nvCxnSpPr>
-        <p:spPr>
-          <a:xfrm flipH="1">
-            <a:off x="7235825" y="228600"/>
-            <a:ext cx="4953000" cy="4953000"/>
-          </a:xfrm>
-          <a:prstGeom prst="line">
-            <a:avLst/>
-          </a:prstGeom>
-          <a:ln w="12700">
-            <a:solidFill>
-              <a:schemeClr val="tx1"/>
-            </a:solidFill>
-          </a:ln>
-        </p:spPr>
-        <p:style>
-          <a:lnRef idx="2">
-            <a:schemeClr val="accent1"/>
-          </a:lnRef>
-          <a:fillRef idx="0">
-            <a:schemeClr val="accent1"/>
-          </a:fillRef>
-          <a:effectRef idx="1">
-            <a:schemeClr val="accent1"/>
-          </a:effectRef>
-          <a:fontRef idx="minor">
-            <a:schemeClr val="tx1"/>
-          </a:fontRef>
-        </p:style>
-      </p:cxnSp>
-      <p:cxnSp>
-        <p:nvCxnSpPr>
-          <p:cNvPr id="17" name="Straight Connector 16">
-            <a:extLst>
-              <a:ext uri="{FF2B5EF4-FFF2-40B4-BE49-F238E27FC236}">
-                <a16:creationId xmlns:a16="http://schemas.microsoft.com/office/drawing/2014/main" id="{B5164A3F-1561-4039-8185-AB0EEB713EA7}"/>
-              </a:ext>
-              <a:ext uri="{C183D7F6-B498-43B3-948B-1728B52AA6E4}">
-                <adec:decorative xmlns:adec="http://schemas.microsoft.com/office/drawing/2017/decorative" val="1"/>
-              </a:ext>
-            </a:extLst>
-          </p:cNvPr>
-          <p:cNvCxnSpPr>
-            <a:cxnSpLocks noGrp="1" noRot="1" noChangeAspect="1" noMove="1" noResize="1" noEditPoints="1" noAdjustHandles="1" noChangeArrowheads="1" noChangeShapeType="1"/>
-          </p:cNvCxnSpPr>
-          <p:nvPr>
-            <p:extLst>
-              <p:ext uri="{386F3935-93C4-4BCD-93E2-E3B085C9AB24}">
-                <p16:designElem xmlns:p16="http://schemas.microsoft.com/office/powerpoint/2015/main" val="1"/>
-              </p:ext>
-            </p:extLst>
-          </p:nvPr>
-        </p:nvCxnSpPr>
-        <p:spPr>
-          <a:xfrm flipH="1">
-            <a:off x="7335837" y="32278"/>
-            <a:ext cx="4852989" cy="4852989"/>
-          </a:xfrm>
-          <a:prstGeom prst="line">
-            <a:avLst/>
-          </a:prstGeom>
-          <a:ln w="31750">
-            <a:solidFill>
-              <a:schemeClr val="tx1"/>
-            </a:solidFill>
-          </a:ln>
-        </p:spPr>
-        <p:style>
-          <a:lnRef idx="2">
-            <a:schemeClr val="accent1"/>
-          </a:lnRef>
-          <a:fillRef idx="0">
-            <a:schemeClr val="accent1"/>
-          </a:fillRef>
-          <a:effectRef idx="1">
-            <a:schemeClr val="accent1"/>
-          </a:effectRef>
-          <a:fontRef idx="minor">
-            <a:schemeClr val="tx1"/>
-          </a:fontRef>
-        </p:style>
-      </p:cxnSp>
-      <p:cxnSp>
-        <p:nvCxnSpPr>
-          <p:cNvPr id="19" name="Straight Connector 18">
-            <a:extLst>
-              <a:ext uri="{FF2B5EF4-FFF2-40B4-BE49-F238E27FC236}">
-                <a16:creationId xmlns:a16="http://schemas.microsoft.com/office/drawing/2014/main" id="{2A35DB53-42BE-460E-9CA1-1294C98463CB}"/>
-              </a:ext>
-              <a:ext uri="{C183D7F6-B498-43B3-948B-1728B52AA6E4}">
-                <adec:decorative xmlns:adec="http://schemas.microsoft.com/office/drawing/2017/decorative" val="1"/>
-              </a:ext>
-            </a:extLst>
-          </p:cNvPr>
-          <p:cNvCxnSpPr>
-            <a:cxnSpLocks noGrp="1" noRot="1" noChangeAspect="1" noMove="1" noResize="1" noEditPoints="1" noAdjustHandles="1" noChangeArrowheads="1" noChangeShapeType="1"/>
-          </p:cNvCxnSpPr>
-          <p:nvPr>
-            <p:extLst>
-              <p:ext uri="{386F3935-93C4-4BCD-93E2-E3B085C9AB24}">
-                <p16:designElem xmlns:p16="http://schemas.microsoft.com/office/powerpoint/2015/main" val="1"/>
-              </p:ext>
-            </p:extLst>
-          </p:nvPr>
-        </p:nvCxnSpPr>
-        <p:spPr>
-          <a:xfrm flipH="1">
-            <a:off x="7845426" y="609601"/>
-            <a:ext cx="4343399" cy="4343399"/>
-          </a:xfrm>
-          <a:prstGeom prst="line">
-            <a:avLst/>
-          </a:prstGeom>
-          <a:ln w="31750">
-            <a:solidFill>
-              <a:schemeClr val="tx1"/>
-            </a:solidFill>
-          </a:ln>
-        </p:spPr>
-        <p:style>
-          <a:lnRef idx="2">
-            <a:schemeClr val="accent1"/>
-          </a:lnRef>
-          <a:fillRef idx="0">
-            <a:schemeClr val="accent1"/>
-          </a:fillRef>
-          <a:effectRef idx="1">
-            <a:schemeClr val="accent1"/>
-          </a:effectRef>
-          <a:fontRef idx="minor">
-            <a:schemeClr val="tx1"/>
-          </a:fontRef>
-        </p:style>
-      </p:cxnSp>
-      <p:sp useBgFill="1">
-        <p:nvSpPr>
-          <p:cNvPr id="21" name="Rectangle 20">
-            <a:extLst>
-              <a:ext uri="{FF2B5EF4-FFF2-40B4-BE49-F238E27FC236}">
-                <a16:creationId xmlns:a16="http://schemas.microsoft.com/office/drawing/2014/main" id="{C5BDD1EA-D8C1-45AF-9F0A-14A2A137BA2A}"/>
-              </a:ext>
-              <a:ext uri="{C183D7F6-B498-43B3-948B-1728B52AA6E4}">
-                <adec:decorative xmlns:adec="http://schemas.microsoft.com/office/drawing/2017/decorative" val="1"/>
-              </a:ext>
-            </a:extLst>
-          </p:cNvPr>
-          <p:cNvSpPr>
-            <a:spLocks noGrp="1" noRot="1" noChangeAspect="1" noMove="1" noResize="1" noEditPoints="1" noAdjustHandles="1" noChangeArrowheads="1" noChangeShapeType="1" noTextEdit="1"/>
-          </p:cNvSpPr>
-          <p:nvPr>
-            <p:extLst>
-              <p:ext uri="{386F3935-93C4-4BCD-93E2-E3B085C9AB24}">
-                <p16:designElem xmlns:p16="http://schemas.microsoft.com/office/powerpoint/2015/main" val="1"/>
-              </p:ext>
-            </p:extLst>
-          </p:nvPr>
-        </p:nvSpPr>
-        <p:spPr>
-          <a:xfrm>
-            <a:off x="0" y="0"/>
-            <a:ext cx="12192000" cy="6858000"/>
-          </a:xfrm>
-          <a:prstGeom prst="rect">
-            <a:avLst/>
-          </a:prstGeom>
-          <a:ln>
-            <a:noFill/>
-          </a:ln>
-        </p:spPr>
-        <p:style>
-          <a:lnRef idx="2">
-            <a:schemeClr val="accent1">
-              <a:shade val="50000"/>
-            </a:schemeClr>
-          </a:lnRef>
-          <a:fillRef idx="1">
-            <a:schemeClr val="accent1"/>
-          </a:fillRef>
-          <a:effectRef idx="0">
-            <a:schemeClr val="accent1"/>
-          </a:effectRef>
-          <a:fontRef idx="minor">
-            <a:schemeClr val="lt1"/>
-          </a:fontRef>
-        </p:style>
-        <p:txBody>
-          <a:bodyPr rtlCol="0" anchor="ctr"/>
-          <a:lstStyle/>
-          <a:p>
-            <a:pPr algn="ctr"/>
-            <a:endParaRPr lang="en-US"/>
-          </a:p>
-        </p:txBody>
-      </p:sp>
-      <p:sp>
-        <p:nvSpPr>
-          <p:cNvPr id="2" name="Title 1">
-            <a:extLst>
-              <a:ext uri="{FF2B5EF4-FFF2-40B4-BE49-F238E27FC236}">
-                <a16:creationId xmlns:a16="http://schemas.microsoft.com/office/drawing/2014/main" id="{EC6B3773-CE89-4097-BD04-F75FCFD6B290}"/>
-              </a:ext>
-            </a:extLst>
-          </p:cNvPr>
-          <p:cNvSpPr>
-            <a:spLocks noGrp="1"/>
-          </p:cNvSpPr>
-          <p:nvPr>
-            <p:ph type="title"/>
-          </p:nvPr>
-        </p:nvSpPr>
-        <p:spPr>
-          <a:xfrm>
-            <a:off x="7532710" y="628617"/>
-            <a:ext cx="3971902" cy="3028983"/>
-          </a:xfrm>
-        </p:spPr>
-        <p:txBody>
-          <a:bodyPr vert="horz" lIns="91440" tIns="45720" rIns="91440" bIns="45720" rtlCol="0" anchor="b">
-            <a:normAutofit/>
-          </a:bodyPr>
-          <a:lstStyle/>
-          <a:p>
-            <a:r>
-              <a:rPr lang="en-US" sz="4400" dirty="0"/>
-              <a:t>Measures taken across the country</a:t>
-            </a:r>
-          </a:p>
-        </p:txBody>
-      </p:sp>
-      <p:sp>
-        <p:nvSpPr>
-          <p:cNvPr id="23" name="Snip Diagonal Corner Rectangle 6">
-            <a:extLst>
-              <a:ext uri="{FF2B5EF4-FFF2-40B4-BE49-F238E27FC236}">
-                <a16:creationId xmlns:a16="http://schemas.microsoft.com/office/drawing/2014/main" id="{14354E08-0068-48D7-A8AD-84C7B1CF585D}"/>
-              </a:ext>
-              <a:ext uri="{C183D7F6-B498-43B3-948B-1728B52AA6E4}">
-                <adec:decorative xmlns:adec="http://schemas.microsoft.com/office/drawing/2017/decorative" val="1"/>
-              </a:ext>
-            </a:extLst>
-          </p:cNvPr>
-          <p:cNvSpPr>
-            <a:spLocks noGrp="1" noRot="1" noChangeAspect="1" noMove="1" noResize="1" noEditPoints="1" noAdjustHandles="1" noChangeArrowheads="1" noChangeShapeType="1" noTextEdit="1"/>
-          </p:cNvSpPr>
-          <p:nvPr>
-            <p:extLst>
-              <p:ext uri="{386F3935-93C4-4BCD-93E2-E3B085C9AB24}">
-                <p16:designElem xmlns:p16="http://schemas.microsoft.com/office/powerpoint/2015/main" val="1"/>
-              </p:ext>
-            </p:extLst>
-          </p:nvPr>
-        </p:nvSpPr>
-        <p:spPr>
-          <a:xfrm>
-            <a:off x="634000" y="620722"/>
-            <a:ext cx="6575496" cy="5286838"/>
-          </a:xfrm>
-          <a:prstGeom prst="snip2DiagRect">
-            <a:avLst>
-              <a:gd name="adj1" fmla="val 10787"/>
-              <a:gd name="adj2" fmla="val 0"/>
-            </a:avLst>
-          </a:prstGeom>
-          <a:solidFill>
-            <a:schemeClr val="tx1"/>
-          </a:solidFill>
-          <a:ln>
-            <a:noFill/>
-          </a:ln>
-          <a:effectLst>
-            <a:innerShdw blurRad="57150" dist="38100" dir="14460000">
-              <a:prstClr val="black">
-                <a:alpha val="70000"/>
-              </a:prstClr>
-            </a:innerShdw>
-          </a:effectLst>
-        </p:spPr>
-        <p:style>
-          <a:lnRef idx="2">
-            <a:schemeClr val="accent1">
-              <a:shade val="50000"/>
-            </a:schemeClr>
-          </a:lnRef>
-          <a:fillRef idx="1">
-            <a:schemeClr val="accent1"/>
-          </a:fillRef>
-          <a:effectRef idx="0">
-            <a:schemeClr val="accent1"/>
-          </a:effectRef>
-          <a:fontRef idx="minor">
-            <a:schemeClr val="lt1"/>
-          </a:fontRef>
-        </p:style>
-        <p:txBody>
-          <a:bodyPr rtlCol="0" anchor="ctr"/>
-          <a:lstStyle/>
-          <a:p>
-            <a:pPr algn="ctr"/>
-            <a:endParaRPr lang="en-US"/>
-          </a:p>
-        </p:txBody>
-      </p:sp>
-      <p:pic>
-        <p:nvPicPr>
-          <p:cNvPr id="5" name="Content Placeholder 4" descr="A person wearing a blue hat&#10;&#10;Description automatically generated">
-            <a:extLst>
-              <a:ext uri="{FF2B5EF4-FFF2-40B4-BE49-F238E27FC236}">
-                <a16:creationId xmlns:a16="http://schemas.microsoft.com/office/drawing/2014/main" id="{52E931F8-ADA9-401A-BA19-DEC3D59063BC}"/>
-              </a:ext>
-            </a:extLst>
-          </p:cNvPr>
-          <p:cNvPicPr>
-            <a:picLocks noGrp="1" noChangeAspect="1"/>
-          </p:cNvPicPr>
-          <p:nvPr>
-            <p:ph idx="1"/>
-          </p:nvPr>
-        </p:nvPicPr>
-        <p:blipFill rotWithShape="1">
-          <a:blip r:embed="rId2">
-            <a:extLst>
-              <a:ext uri="{28A0092B-C50C-407E-A947-70E740481C1C}">
-                <a14:useLocalDpi xmlns:a14="http://schemas.microsoft.com/office/drawing/2010/main" val="0"/>
-              </a:ext>
-              <a:ext uri="{837473B0-CC2E-450A-ABE3-18F120FF3D39}">
-                <a1611:picAttrSrcUrl xmlns:a1611="http://schemas.microsoft.com/office/drawing/2016/11/main" r:id="rId3"/>
-              </a:ext>
-            </a:extLst>
-          </a:blip>
-          <a:srcRect l="13313" r="15174" b="1"/>
-          <a:stretch/>
-        </p:blipFill>
-        <p:spPr>
-          <a:xfrm>
-            <a:off x="799072" y="786117"/>
-            <a:ext cx="6245352" cy="4956048"/>
-          </a:xfrm>
-          <a:custGeom>
-            <a:avLst/>
-            <a:gdLst/>
-            <a:ahLst/>
-            <a:cxnLst/>
-            <a:rect l="l" t="t" r="r" b="b"/>
-            <a:pathLst>
-              <a:path w="6245352" h="4956048">
-                <a:moveTo>
-                  <a:pt x="534609" y="0"/>
-                </a:moveTo>
-                <a:lnTo>
-                  <a:pt x="6245352" y="0"/>
-                </a:lnTo>
-                <a:lnTo>
-                  <a:pt x="6245352" y="4421439"/>
-                </a:lnTo>
-                <a:lnTo>
-                  <a:pt x="5710743" y="4956048"/>
-                </a:lnTo>
-                <a:lnTo>
-                  <a:pt x="0" y="4956048"/>
-                </a:lnTo>
-                <a:lnTo>
-                  <a:pt x="0" y="534609"/>
-                </a:lnTo>
-                <a:close/>
-              </a:path>
-            </a:pathLst>
-          </a:custGeom>
-        </p:spPr>
-      </p:pic>
-      <p:grpSp>
-        <p:nvGrpSpPr>
-          <p:cNvPr id="25" name="Group 24">
-            <a:extLst>
-              <a:ext uri="{FF2B5EF4-FFF2-40B4-BE49-F238E27FC236}">
-                <a16:creationId xmlns:a16="http://schemas.microsoft.com/office/drawing/2014/main" id="{A779F34F-2960-4B81-BA08-445B6F6A0CD7}"/>
-              </a:ext>
-              <a:ext uri="{C183D7F6-B498-43B3-948B-1728B52AA6E4}">
-                <adec:decorative xmlns:adec="http://schemas.microsoft.com/office/drawing/2017/decorative" val="1"/>
-              </a:ext>
-            </a:extLst>
-          </p:cNvPr>
-          <p:cNvGrpSpPr>
-            <a:grpSpLocks noGrp="1" noUngrp="1" noRot="1" noChangeAspect="1" noMove="1" noResize="1"/>
-          </p:cNvGrpSpPr>
-          <p:nvPr>
-            <p:extLst>
-              <p:ext uri="{386F3935-93C4-4BCD-93E2-E3B085C9AB24}">
-                <p16:designElem xmlns:p16="http://schemas.microsoft.com/office/powerpoint/2015/main" val="1"/>
-              </p:ext>
-            </p:extLst>
-          </p:nvPr>
-        </p:nvGrpSpPr>
-        <p:grpSpPr>
-          <a:xfrm>
-            <a:off x="9206969" y="2963333"/>
-            <a:ext cx="2981858" cy="3208867"/>
-            <a:chOff x="9206969" y="2963333"/>
-            <a:chExt cx="2981858" cy="3208867"/>
-          </a:xfrm>
-        </p:grpSpPr>
-        <p:cxnSp>
-          <p:nvCxnSpPr>
-            <p:cNvPr id="26" name="Straight Connector 25">
-              <a:extLst>
-                <a:ext uri="{FF2B5EF4-FFF2-40B4-BE49-F238E27FC236}">
-                  <a16:creationId xmlns:a16="http://schemas.microsoft.com/office/drawing/2014/main" id="{10A57ACC-416F-4A5D-B7F7-DDA9886A3A6C}"/>
-                </a:ext>
-                <a:ext uri="{C183D7F6-B498-43B3-948B-1728B52AA6E4}">
-                  <adec:decorative xmlns:adec="http://schemas.microsoft.com/office/drawing/2017/decorative" val="1"/>
-                </a:ext>
-              </a:extLst>
-            </p:cNvPr>
-            <p:cNvCxnSpPr/>
-            <p:nvPr>
-              <p:extLst>
-                <p:ext uri="{386F3935-93C4-4BCD-93E2-E3B085C9AB24}">
-                  <p16:designElem xmlns:p16="http://schemas.microsoft.com/office/powerpoint/2015/main" val="1"/>
-                </p:ext>
-              </p:extLst>
-            </p:nvPr>
-          </p:nvCxnSpPr>
-          <p:spPr>
-            <a:xfrm flipH="1">
-              <a:off x="11276012" y="2963333"/>
-              <a:ext cx="912814" cy="912812"/>
-            </a:xfrm>
-            <a:prstGeom prst="line">
-              <a:avLst/>
-            </a:prstGeom>
-            <a:ln w="9525">
-              <a:solidFill>
-                <a:schemeClr val="tx1"/>
-              </a:solidFill>
-            </a:ln>
-          </p:spPr>
-          <p:style>
-            <a:lnRef idx="2">
-              <a:schemeClr val="accent1"/>
-            </a:lnRef>
-            <a:fillRef idx="0">
-              <a:schemeClr val="accent1"/>
-            </a:fillRef>
-            <a:effectRef idx="1">
-              <a:schemeClr val="accent1"/>
-            </a:effectRef>
-            <a:fontRef idx="minor">
-              <a:schemeClr val="tx1"/>
-            </a:fontRef>
-          </p:style>
-        </p:cxnSp>
-        <p:cxnSp>
-          <p:nvCxnSpPr>
-            <p:cNvPr id="27" name="Straight Connector 26">
-              <a:extLst>
-                <a:ext uri="{FF2B5EF4-FFF2-40B4-BE49-F238E27FC236}">
-                  <a16:creationId xmlns:a16="http://schemas.microsoft.com/office/drawing/2014/main" id="{26522B4F-50C4-4FCE-8AE2-3789D63ED338}"/>
-                </a:ext>
-                <a:ext uri="{C183D7F6-B498-43B3-948B-1728B52AA6E4}">
-                  <adec:decorative xmlns:adec="http://schemas.microsoft.com/office/drawing/2017/decorative" val="1"/>
-                </a:ext>
-              </a:extLst>
-            </p:cNvPr>
-            <p:cNvCxnSpPr/>
-            <p:nvPr>
-              <p:extLst>
-                <p:ext uri="{386F3935-93C4-4BCD-93E2-E3B085C9AB24}">
-                  <p16:designElem xmlns:p16="http://schemas.microsoft.com/office/powerpoint/2015/main" val="1"/>
-                </p:ext>
-              </p:extLst>
-            </p:nvPr>
-          </p:nvCxnSpPr>
-          <p:spPr>
-            <a:xfrm flipH="1">
-              <a:off x="9206969" y="3190344"/>
-              <a:ext cx="2981857" cy="2981856"/>
-            </a:xfrm>
-            <a:prstGeom prst="line">
-              <a:avLst/>
-            </a:prstGeom>
-            <a:ln w="9525">
-              <a:solidFill>
-                <a:schemeClr val="tx1"/>
-              </a:solidFill>
-            </a:ln>
-          </p:spPr>
-          <p:style>
-            <a:lnRef idx="2">
-              <a:schemeClr val="accent1"/>
-            </a:lnRef>
-            <a:fillRef idx="0">
-              <a:schemeClr val="accent1"/>
-            </a:fillRef>
-            <a:effectRef idx="1">
-              <a:schemeClr val="accent1"/>
-            </a:effectRef>
-            <a:fontRef idx="minor">
-              <a:schemeClr val="tx1"/>
-            </a:fontRef>
-          </p:style>
-        </p:cxnSp>
-        <p:cxnSp>
-          <p:nvCxnSpPr>
-            <p:cNvPr id="28" name="Straight Connector 27">
-              <a:extLst>
-                <a:ext uri="{FF2B5EF4-FFF2-40B4-BE49-F238E27FC236}">
-                  <a16:creationId xmlns:a16="http://schemas.microsoft.com/office/drawing/2014/main" id="{2C3978FC-B5D1-42BE-B086-BC2A733D58F0}"/>
-                </a:ext>
-                <a:ext uri="{C183D7F6-B498-43B3-948B-1728B52AA6E4}">
-                  <adec:decorative xmlns:adec="http://schemas.microsoft.com/office/drawing/2017/decorative" val="1"/>
-                </a:ext>
-              </a:extLst>
-            </p:cNvPr>
-            <p:cNvCxnSpPr/>
-            <p:nvPr>
-              <p:extLst>
-                <p:ext uri="{386F3935-93C4-4BCD-93E2-E3B085C9AB24}">
-                  <p16:designElem xmlns:p16="http://schemas.microsoft.com/office/powerpoint/2015/main" val="1"/>
-                </p:ext>
-              </p:extLst>
-            </p:nvPr>
-          </p:nvCxnSpPr>
-          <p:spPr>
-            <a:xfrm flipH="1">
-              <a:off x="10292292" y="3285067"/>
-              <a:ext cx="1896534" cy="1896533"/>
-            </a:xfrm>
-            <a:prstGeom prst="line">
-              <a:avLst/>
-            </a:prstGeom>
-            <a:ln w="9525">
-              <a:solidFill>
-                <a:schemeClr val="tx1"/>
-              </a:solidFill>
-            </a:ln>
-          </p:spPr>
-          <p:style>
-            <a:lnRef idx="2">
-              <a:schemeClr val="accent1"/>
-            </a:lnRef>
-            <a:fillRef idx="0">
-              <a:schemeClr val="accent1"/>
-            </a:fillRef>
-            <a:effectRef idx="1">
-              <a:schemeClr val="accent1"/>
-            </a:effectRef>
-            <a:fontRef idx="minor">
-              <a:schemeClr val="tx1"/>
-            </a:fontRef>
-          </p:style>
-        </p:cxnSp>
-        <p:cxnSp>
-          <p:nvCxnSpPr>
-            <p:cNvPr id="29" name="Straight Connector 28">
-              <a:extLst>
-                <a:ext uri="{FF2B5EF4-FFF2-40B4-BE49-F238E27FC236}">
-                  <a16:creationId xmlns:a16="http://schemas.microsoft.com/office/drawing/2014/main" id="{ACED99F1-340D-4970-8E66-3B28E9271122}"/>
-                </a:ext>
-                <a:ext uri="{C183D7F6-B498-43B3-948B-1728B52AA6E4}">
-                  <adec:decorative xmlns:adec="http://schemas.microsoft.com/office/drawing/2017/decorative" val="1"/>
-                </a:ext>
-              </a:extLst>
-            </p:cNvPr>
-            <p:cNvCxnSpPr/>
-            <p:nvPr>
-              <p:extLst>
-                <p:ext uri="{386F3935-93C4-4BCD-93E2-E3B085C9AB24}">
-                  <p16:designElem xmlns:p16="http://schemas.microsoft.com/office/powerpoint/2015/main" val="1"/>
-                </p:ext>
-              </p:extLst>
-            </p:nvPr>
-          </p:nvCxnSpPr>
-          <p:spPr>
-            <a:xfrm flipH="1">
-              <a:off x="10443103" y="3131080"/>
-              <a:ext cx="1745722" cy="1745720"/>
-            </a:xfrm>
-            <a:prstGeom prst="line">
-              <a:avLst/>
-            </a:prstGeom>
-            <a:ln w="28575">
-              <a:solidFill>
-                <a:schemeClr val="tx1"/>
-              </a:solidFill>
-            </a:ln>
-          </p:spPr>
-          <p:style>
-            <a:lnRef idx="2">
-              <a:schemeClr val="accent1"/>
-            </a:lnRef>
-            <a:fillRef idx="0">
-              <a:schemeClr val="accent1"/>
-            </a:fillRef>
-            <a:effectRef idx="1">
-              <a:schemeClr val="accent1"/>
-            </a:effectRef>
-            <a:fontRef idx="minor">
-              <a:schemeClr val="tx1"/>
-            </a:fontRef>
-          </p:style>
-        </p:cxnSp>
-        <p:cxnSp>
-          <p:nvCxnSpPr>
-            <p:cNvPr id="30" name="Straight Connector 29">
-              <a:extLst>
-                <a:ext uri="{FF2B5EF4-FFF2-40B4-BE49-F238E27FC236}">
-                  <a16:creationId xmlns:a16="http://schemas.microsoft.com/office/drawing/2014/main" id="{50A54E39-63C0-4847-A766-C6B74FEB48D9}"/>
-                </a:ext>
-                <a:ext uri="{C183D7F6-B498-43B3-948B-1728B52AA6E4}">
-                  <adec:decorative xmlns:adec="http://schemas.microsoft.com/office/drawing/2017/decorative" val="1"/>
-                </a:ext>
-              </a:extLst>
-            </p:cNvPr>
-            <p:cNvCxnSpPr/>
-            <p:nvPr>
-              <p:extLst>
-                <p:ext uri="{386F3935-93C4-4BCD-93E2-E3B085C9AB24}">
-                  <p16:designElem xmlns:p16="http://schemas.microsoft.com/office/powerpoint/2015/main" val="1"/>
-                </p:ext>
-              </p:extLst>
-            </p:nvPr>
-          </p:nvCxnSpPr>
-          <p:spPr>
-            <a:xfrm flipH="1">
-              <a:off x="10918826" y="3683001"/>
-              <a:ext cx="1270001" cy="1269999"/>
-            </a:xfrm>
-            <a:prstGeom prst="line">
-              <a:avLst/>
-            </a:prstGeom>
-            <a:ln w="28575">
-              <a:solidFill>
-                <a:schemeClr val="tx1"/>
-              </a:solidFill>
-            </a:ln>
-          </p:spPr>
-          <p:style>
-            <a:lnRef idx="2">
-              <a:schemeClr val="accent1"/>
-            </a:lnRef>
-            <a:fillRef idx="0">
-              <a:schemeClr val="accent1"/>
-            </a:fillRef>
-            <a:effectRef idx="1">
-              <a:schemeClr val="accent1"/>
-            </a:effectRef>
-            <a:fontRef idx="minor">
-              <a:schemeClr val="tx1"/>
-            </a:fontRef>
-          </p:style>
-        </p:cxnSp>
-      </p:grpSp>
-      <p:sp>
-        <p:nvSpPr>
-          <p:cNvPr id="6" name="TextBox 5">
-            <a:extLst>
-              <a:ext uri="{FF2B5EF4-FFF2-40B4-BE49-F238E27FC236}">
-                <a16:creationId xmlns:a16="http://schemas.microsoft.com/office/drawing/2014/main" id="{2891D668-AAA7-4310-B78A-12EB9C1AD78C}"/>
-              </a:ext>
-            </a:extLst>
-          </p:cNvPr>
-          <p:cNvSpPr txBox="1"/>
-          <p:nvPr/>
-        </p:nvSpPr>
-        <p:spPr>
-          <a:xfrm>
-            <a:off x="9489017" y="6657945"/>
-            <a:ext cx="2702983" cy="200055"/>
-          </a:xfrm>
-          <a:prstGeom prst="rect">
-            <a:avLst/>
-          </a:prstGeom>
-          <a:solidFill>
-            <a:srgbClr val="000000"/>
-          </a:solidFill>
-        </p:spPr>
-        <p:txBody>
-          <a:bodyPr wrap="none" rtlCol="0">
-            <a:spAutoFit/>
-          </a:bodyPr>
-          <a:lstStyle/>
-          <a:p>
-            <a:pPr algn="r">
-              <a:spcAft>
-                <a:spcPts val="600"/>
-              </a:spcAft>
-            </a:pPr>
-            <a:r>
-              <a:rPr lang="en-CA" sz="700">
-                <a:solidFill>
-                  <a:srgbClr val="FFFFFF"/>
-                </a:solidFill>
-                <a:hlinkClick r:id="rId3" tooltip="https://www.northcarolinahealthnews.org/2020/03/23/north-carolina-hospitals-asking-for-masks-gloves-for-covid-19-response/">
-                  <a:extLst>
-                    <a:ext uri="{A12FA001-AC4F-418D-AE19-62706E023703}">
-                      <ahyp:hlinkClr xmlns:ahyp="http://schemas.microsoft.com/office/drawing/2018/hyperlinkcolor" val="tx"/>
-                    </a:ext>
-                  </a:extLst>
-                </a:hlinkClick>
-              </a:rPr>
-              <a:t>This Photo</a:t>
-            </a:r>
-            <a:r>
-              <a:rPr lang="en-CA" sz="700">
-                <a:solidFill>
-                  <a:srgbClr val="FFFFFF"/>
-                </a:solidFill>
-              </a:rPr>
-              <a:t> by Unknown Author is licensed under </a:t>
-            </a:r>
-            <a:r>
-              <a:rPr lang="en-CA" sz="700">
-                <a:solidFill>
-                  <a:srgbClr val="FFFFFF"/>
-                </a:solidFill>
-                <a:hlinkClick r:id="rId4" tooltip="https://creativecommons.org/licenses/by-nd/3.0/">
-                  <a:extLst>
-                    <a:ext uri="{A12FA001-AC4F-418D-AE19-62706E023703}">
-                      <ahyp:hlinkClr xmlns:ahyp="http://schemas.microsoft.com/office/drawing/2018/hyperlinkcolor" val="tx"/>
-                    </a:ext>
-                  </a:extLst>
-                </a:hlinkClick>
-              </a:rPr>
-              <a:t>CC BY-ND</a:t>
-            </a:r>
-            <a:endParaRPr lang="en-CA" sz="700">
-              <a:solidFill>
-                <a:srgbClr val="FFFFFF"/>
-              </a:solidFill>
-            </a:endParaRPr>
-          </a:p>
-        </p:txBody>
-      </p:sp>
-    </p:spTree>
-    <p:extLst>
-      <p:ext uri="{BB962C8B-B14F-4D97-AF65-F5344CB8AC3E}">
-        <p14:creationId xmlns:p14="http://schemas.microsoft.com/office/powerpoint/2010/main" val="275150511"/>
       </p:ext>
     </p:extLst>
   </p:cSld>

--- a/PPTemplate/PP Design.pptx
+++ b/PPTemplate/PP Design.pptx
@@ -10,6 +10,9 @@
     <p:sldId id="258" r:id="rId4"/>
     <p:sldId id="260" r:id="rId5"/>
     <p:sldId id="257" r:id="rId6"/>
+    <p:sldId id="261" r:id="rId7"/>
+    <p:sldId id="262" r:id="rId8"/>
+    <p:sldId id="263" r:id="rId9"/>
   </p:sldIdLst>
   <p:sldSz cx="12192000" cy="6858000"/>
   <p:notesSz cx="6858000" cy="9144000"/>
@@ -7104,8 +7107,8 @@
         </p:nvSpPr>
         <p:spPr>
           <a:xfrm>
-            <a:off x="7532710" y="628617"/>
-            <a:ext cx="3971902" cy="3028983"/>
+            <a:off x="7532710" y="628618"/>
+            <a:ext cx="3971902" cy="1745720"/>
           </a:xfrm>
         </p:spPr>
         <p:txBody>
@@ -7116,7 +7119,7 @@
           <a:p>
             <a:r>
               <a:rPr lang="en-US" sz="4800" dirty="0"/>
-              <a:t>Mapping the infection</a:t>
+              <a:t>Data Sources</a:t>
             </a:r>
           </a:p>
         </p:txBody>
@@ -7628,6 +7631,1807 @@
     <p:extLst>
       <p:ext uri="{BB962C8B-B14F-4D97-AF65-F5344CB8AC3E}">
         <p14:creationId xmlns:p14="http://schemas.microsoft.com/office/powerpoint/2010/main" val="4183648796"/>
+      </p:ext>
+    </p:extLst>
+  </p:cSld>
+  <p:clrMapOvr>
+    <a:masterClrMapping/>
+  </p:clrMapOvr>
+</p:sld>
+</file>
+
+<file path=ppt/slides/slide6.xml><?xml version="1.0" encoding="utf-8"?>
+<p:sld xmlns:a="http://schemas.openxmlformats.org/drawingml/2006/main" xmlns:r="http://schemas.openxmlformats.org/officeDocument/2006/relationships" xmlns:p="http://schemas.openxmlformats.org/presentationml/2006/main">
+  <p:cSld>
+    <p:bg>
+      <p:bgPr>
+        <a:gradFill rotWithShape="1">
+          <a:gsLst>
+            <a:gs pos="10000">
+              <a:schemeClr val="bg2">
+                <a:tint val="97000"/>
+                <a:hueMod val="92000"/>
+                <a:satMod val="169000"/>
+                <a:lumMod val="164000"/>
+              </a:schemeClr>
+            </a:gs>
+            <a:gs pos="100000">
+              <a:schemeClr val="bg2">
+                <a:shade val="96000"/>
+                <a:satMod val="120000"/>
+                <a:lumMod val="90000"/>
+              </a:schemeClr>
+            </a:gs>
+          </a:gsLst>
+          <a:lin ang="6120000" scaled="1"/>
+        </a:gradFill>
+        <a:effectLst/>
+      </p:bgPr>
+    </p:bg>
+    <p:spTree>
+      <p:nvGrpSpPr>
+        <p:cNvPr id="1" name=""/>
+        <p:cNvGrpSpPr/>
+        <p:nvPr/>
+      </p:nvGrpSpPr>
+      <p:grpSpPr>
+        <a:xfrm>
+          <a:off x="0" y="0"/>
+          <a:ext cx="0" cy="0"/>
+          <a:chOff x="0" y="0"/>
+          <a:chExt cx="0" cy="0"/>
+        </a:xfrm>
+      </p:grpSpPr>
+      <p:sp>
+        <p:nvSpPr>
+          <p:cNvPr id="2" name="Title 1">
+            <a:extLst>
+              <a:ext uri="{FF2B5EF4-FFF2-40B4-BE49-F238E27FC236}">
+                <a16:creationId xmlns:a16="http://schemas.microsoft.com/office/drawing/2014/main" id="{83A8EC55-D9CE-49F9-A60B-F282BF8FBC20}"/>
+              </a:ext>
+            </a:extLst>
+          </p:cNvPr>
+          <p:cNvSpPr>
+            <a:spLocks noGrp="1"/>
+          </p:cNvSpPr>
+          <p:nvPr>
+            <p:ph type="title"/>
+          </p:nvPr>
+        </p:nvSpPr>
+        <p:spPr>
+          <a:xfrm>
+            <a:off x="8194088" y="490492"/>
+            <a:ext cx="3643435" cy="4063754"/>
+          </a:xfrm>
+        </p:spPr>
+        <p:txBody>
+          <a:bodyPr>
+            <a:normAutofit/>
+          </a:bodyPr>
+          <a:lstStyle/>
+          <a:p>
+            <a:r>
+              <a:rPr lang="en-CA" sz="3300"/>
+              <a:t>Methodology</a:t>
+            </a:r>
+          </a:p>
+        </p:txBody>
+      </p:sp>
+      <p:sp>
+        <p:nvSpPr>
+          <p:cNvPr id="3" name="Content Placeholder 2">
+            <a:extLst>
+              <a:ext uri="{FF2B5EF4-FFF2-40B4-BE49-F238E27FC236}">
+                <a16:creationId xmlns:a16="http://schemas.microsoft.com/office/drawing/2014/main" id="{3CC94554-1409-46C0-B0F3-40FB6609171F}"/>
+              </a:ext>
+            </a:extLst>
+          </p:cNvPr>
+          <p:cNvSpPr>
+            <a:spLocks noGrp="1"/>
+          </p:cNvSpPr>
+          <p:nvPr>
+            <p:ph idx="1"/>
+          </p:nvPr>
+        </p:nvSpPr>
+        <p:spPr>
+          <a:xfrm>
+            <a:off x="684212" y="2815332"/>
+            <a:ext cx="7195828" cy="3477827"/>
+          </a:xfrm>
+        </p:spPr>
+        <p:txBody>
+          <a:bodyPr>
+            <a:normAutofit/>
+          </a:bodyPr>
+          <a:lstStyle/>
+          <a:p>
+            <a:r>
+              <a:rPr lang="en-CA" dirty="0">
+                <a:solidFill>
+                  <a:schemeClr val="tx1"/>
+                </a:solidFill>
+              </a:rPr>
+              <a:t>Data Collection</a:t>
+            </a:r>
+          </a:p>
+          <a:p>
+            <a:pPr lvl="1"/>
+            <a:r>
+              <a:rPr lang="en-CA" dirty="0">
+                <a:solidFill>
+                  <a:schemeClr val="tx1"/>
+                </a:solidFill>
+              </a:rPr>
+              <a:t>Requests</a:t>
+            </a:r>
+          </a:p>
+          <a:p>
+            <a:pPr lvl="1"/>
+            <a:r>
+              <a:rPr lang="en-CA" dirty="0">
+                <a:solidFill>
+                  <a:schemeClr val="tx1"/>
+                </a:solidFill>
+              </a:rPr>
+              <a:t>Splinter</a:t>
+            </a:r>
+          </a:p>
+          <a:p>
+            <a:r>
+              <a:rPr lang="en-CA" dirty="0">
+                <a:solidFill>
+                  <a:schemeClr val="tx1"/>
+                </a:solidFill>
+              </a:rPr>
+              <a:t>Data Cleaning</a:t>
+            </a:r>
+          </a:p>
+          <a:p>
+            <a:pPr lvl="1"/>
+            <a:r>
+              <a:rPr lang="en-CA" dirty="0">
+                <a:solidFill>
+                  <a:schemeClr val="tx1"/>
+                </a:solidFill>
+              </a:rPr>
+              <a:t>Pandas</a:t>
+            </a:r>
+          </a:p>
+          <a:p>
+            <a:r>
+              <a:rPr lang="en-CA" dirty="0">
+                <a:solidFill>
+                  <a:schemeClr val="tx1"/>
+                </a:solidFill>
+              </a:rPr>
+              <a:t>Data Loading</a:t>
+            </a:r>
+          </a:p>
+          <a:p>
+            <a:pPr lvl="1"/>
+            <a:r>
+              <a:rPr lang="en-CA" dirty="0">
+                <a:solidFill>
+                  <a:schemeClr val="tx1"/>
+                </a:solidFill>
+              </a:rPr>
+              <a:t>SQL</a:t>
+            </a:r>
+          </a:p>
+          <a:p>
+            <a:pPr lvl="1"/>
+            <a:r>
+              <a:rPr lang="en-CA" dirty="0">
+                <a:solidFill>
+                  <a:schemeClr val="tx1"/>
+                </a:solidFill>
+              </a:rPr>
+              <a:t>API Creation</a:t>
+            </a:r>
+          </a:p>
+          <a:p>
+            <a:pPr lvl="1"/>
+            <a:endParaRPr lang="en-CA" dirty="0">
+              <a:solidFill>
+                <a:schemeClr val="tx1"/>
+              </a:solidFill>
+            </a:endParaRPr>
+          </a:p>
+        </p:txBody>
+      </p:sp>
+      <p:pic>
+        <p:nvPicPr>
+          <p:cNvPr id="5" name="Picture 4" descr="A picture containing wheel&#10;&#10;Description automatically generated">
+            <a:extLst>
+              <a:ext uri="{FF2B5EF4-FFF2-40B4-BE49-F238E27FC236}">
+                <a16:creationId xmlns:a16="http://schemas.microsoft.com/office/drawing/2014/main" id="{1C0C1951-A4EA-4996-9FD3-EEA3B4911407}"/>
+              </a:ext>
+            </a:extLst>
+          </p:cNvPr>
+          <p:cNvPicPr>
+            <a:picLocks noChangeAspect="1"/>
+          </p:cNvPicPr>
+          <p:nvPr/>
+        </p:nvPicPr>
+        <p:blipFill>
+          <a:blip r:embed="rId2">
+            <a:extLst>
+              <a:ext uri="{28A0092B-C50C-407E-A947-70E740481C1C}">
+                <a14:useLocalDpi xmlns:a14="http://schemas.microsoft.com/office/drawing/2010/main" val="0"/>
+              </a:ext>
+              <a:ext uri="{837473B0-CC2E-450A-ABE3-18F120FF3D39}">
+                <a1611:picAttrSrcUrl xmlns:a1611="http://schemas.microsoft.com/office/drawing/2016/11/main" r:id="rId3"/>
+              </a:ext>
+            </a:extLst>
+          </a:blip>
+          <a:stretch>
+            <a:fillRect/>
+          </a:stretch>
+        </p:blipFill>
+        <p:spPr>
+          <a:xfrm>
+            <a:off x="684212" y="600724"/>
+            <a:ext cx="6405481" cy="1921645"/>
+          </a:xfrm>
+          <a:prstGeom prst="rect">
+            <a:avLst/>
+          </a:prstGeom>
+        </p:spPr>
+      </p:pic>
+    </p:spTree>
+    <p:extLst>
+      <p:ext uri="{BB962C8B-B14F-4D97-AF65-F5344CB8AC3E}">
+        <p14:creationId xmlns:p14="http://schemas.microsoft.com/office/powerpoint/2010/main" val="2938129026"/>
+      </p:ext>
+    </p:extLst>
+  </p:cSld>
+  <p:clrMapOvr>
+    <a:masterClrMapping/>
+  </p:clrMapOvr>
+</p:sld>
+</file>
+
+<file path=ppt/slides/slide7.xml><?xml version="1.0" encoding="utf-8"?>
+<p:sld xmlns:a="http://schemas.openxmlformats.org/drawingml/2006/main" xmlns:r="http://schemas.openxmlformats.org/officeDocument/2006/relationships" xmlns:p="http://schemas.openxmlformats.org/presentationml/2006/main">
+  <p:cSld>
+    <p:bg>
+      <p:bgPr>
+        <a:gradFill rotWithShape="1">
+          <a:gsLst>
+            <a:gs pos="10000">
+              <a:schemeClr val="bg2">
+                <a:tint val="97000"/>
+                <a:hueMod val="92000"/>
+                <a:satMod val="169000"/>
+                <a:lumMod val="164000"/>
+              </a:schemeClr>
+            </a:gs>
+            <a:gs pos="100000">
+              <a:schemeClr val="bg2">
+                <a:shade val="96000"/>
+                <a:satMod val="120000"/>
+                <a:lumMod val="90000"/>
+              </a:schemeClr>
+            </a:gs>
+          </a:gsLst>
+          <a:lin ang="6120000" scaled="1"/>
+        </a:gradFill>
+        <a:effectLst/>
+      </p:bgPr>
+    </p:bg>
+    <p:spTree>
+      <p:nvGrpSpPr>
+        <p:cNvPr id="1" name=""/>
+        <p:cNvGrpSpPr/>
+        <p:nvPr/>
+      </p:nvGrpSpPr>
+      <p:grpSpPr>
+        <a:xfrm>
+          <a:off x="0" y="0"/>
+          <a:ext cx="0" cy="0"/>
+          <a:chOff x="0" y="0"/>
+          <a:chExt cx="0" cy="0"/>
+        </a:xfrm>
+      </p:grpSpPr>
+      <p:sp useBgFill="1">
+        <p:nvSpPr>
+          <p:cNvPr id="11" name="Rectangle 10">
+            <a:extLst>
+              <a:ext uri="{FF2B5EF4-FFF2-40B4-BE49-F238E27FC236}">
+                <a16:creationId xmlns:a16="http://schemas.microsoft.com/office/drawing/2014/main" id="{E09CCB3F-DBCE-4964-9E34-8C5DE80EF4B5}"/>
+              </a:ext>
+              <a:ext uri="{C183D7F6-B498-43B3-948B-1728B52AA6E4}">
+                <adec:decorative xmlns:adec="http://schemas.microsoft.com/office/drawing/2017/decorative" val="1"/>
+              </a:ext>
+            </a:extLst>
+          </p:cNvPr>
+          <p:cNvSpPr>
+            <a:spLocks noGrp="1" noRot="1" noChangeAspect="1" noMove="1" noResize="1" noEditPoints="1" noAdjustHandles="1" noChangeArrowheads="1" noChangeShapeType="1" noTextEdit="1"/>
+          </p:cNvSpPr>
+          <p:nvPr>
+            <p:extLst>
+              <p:ext uri="{386F3935-93C4-4BCD-93E2-E3B085C9AB24}">
+                <p16:designElem xmlns:p16="http://schemas.microsoft.com/office/powerpoint/2015/main" val="1"/>
+              </p:ext>
+            </p:extLst>
+          </p:nvPr>
+        </p:nvSpPr>
+        <p:spPr>
+          <a:xfrm>
+            <a:off x="0" y="0"/>
+            <a:ext cx="12192000" cy="6858000"/>
+          </a:xfrm>
+          <a:prstGeom prst="rect">
+            <a:avLst/>
+          </a:prstGeom>
+          <a:ln>
+            <a:noFill/>
+          </a:ln>
+        </p:spPr>
+        <p:style>
+          <a:lnRef idx="2">
+            <a:schemeClr val="accent1">
+              <a:shade val="50000"/>
+            </a:schemeClr>
+          </a:lnRef>
+          <a:fillRef idx="1">
+            <a:schemeClr val="accent1"/>
+          </a:fillRef>
+          <a:effectRef idx="0">
+            <a:schemeClr val="accent1"/>
+          </a:effectRef>
+          <a:fontRef idx="minor">
+            <a:schemeClr val="lt1"/>
+          </a:fontRef>
+        </p:style>
+        <p:txBody>
+          <a:bodyPr rtlCol="0" anchor="ctr"/>
+          <a:lstStyle/>
+          <a:p>
+            <a:pPr algn="ctr"/>
+            <a:endParaRPr lang="en-US"/>
+          </a:p>
+        </p:txBody>
+      </p:sp>
+      <p:sp>
+        <p:nvSpPr>
+          <p:cNvPr id="2" name="Title 1">
+            <a:extLst>
+              <a:ext uri="{FF2B5EF4-FFF2-40B4-BE49-F238E27FC236}">
+                <a16:creationId xmlns:a16="http://schemas.microsoft.com/office/drawing/2014/main" id="{39A12CDC-77EC-453A-8CC8-58E3C63EE105}"/>
+              </a:ext>
+            </a:extLst>
+          </p:cNvPr>
+          <p:cNvSpPr>
+            <a:spLocks noGrp="1"/>
+          </p:cNvSpPr>
+          <p:nvPr>
+            <p:ph type="title"/>
+          </p:nvPr>
+        </p:nvSpPr>
+        <p:spPr>
+          <a:xfrm>
+            <a:off x="7532710" y="620722"/>
+            <a:ext cx="3518748" cy="1142462"/>
+          </a:xfrm>
+        </p:spPr>
+        <p:txBody>
+          <a:bodyPr anchor="b">
+            <a:normAutofit/>
+          </a:bodyPr>
+          <a:lstStyle/>
+          <a:p>
+            <a:r>
+              <a:rPr lang="en-CA" sz="2800"/>
+              <a:t>Data Extraction</a:t>
+            </a:r>
+          </a:p>
+        </p:txBody>
+      </p:sp>
+      <p:sp>
+        <p:nvSpPr>
+          <p:cNvPr id="13" name="Snip Diagonal Corner Rectangle 24">
+            <a:extLst>
+              <a:ext uri="{FF2B5EF4-FFF2-40B4-BE49-F238E27FC236}">
+                <a16:creationId xmlns:a16="http://schemas.microsoft.com/office/drawing/2014/main" id="{1DFF944F-74BA-483A-82C0-64E3AAF4AE98}"/>
+              </a:ext>
+              <a:ext uri="{C183D7F6-B498-43B3-948B-1728B52AA6E4}">
+                <adec:decorative xmlns:adec="http://schemas.microsoft.com/office/drawing/2017/decorative" val="1"/>
+              </a:ext>
+            </a:extLst>
+          </p:cNvPr>
+          <p:cNvSpPr>
+            <a:spLocks noGrp="1" noRot="1" noChangeAspect="1" noMove="1" noResize="1" noEditPoints="1" noAdjustHandles="1" noChangeArrowheads="1" noChangeShapeType="1" noTextEdit="1"/>
+          </p:cNvSpPr>
+          <p:nvPr>
+            <p:extLst>
+              <p:ext uri="{386F3935-93C4-4BCD-93E2-E3B085C9AB24}">
+                <p16:designElem xmlns:p16="http://schemas.microsoft.com/office/powerpoint/2015/main" val="1"/>
+              </p:ext>
+            </p:extLst>
+          </p:nvPr>
+        </p:nvSpPr>
+        <p:spPr>
+          <a:xfrm>
+            <a:off x="612990" y="620722"/>
+            <a:ext cx="6575496" cy="5286838"/>
+          </a:xfrm>
+          <a:prstGeom prst="snip2DiagRect">
+            <a:avLst>
+              <a:gd name="adj1" fmla="val 10787"/>
+              <a:gd name="adj2" fmla="val 0"/>
+            </a:avLst>
+          </a:prstGeom>
+          <a:solidFill>
+            <a:schemeClr val="tx1"/>
+          </a:solidFill>
+          <a:ln>
+            <a:noFill/>
+          </a:ln>
+          <a:effectLst>
+            <a:innerShdw blurRad="57150" dist="38100" dir="14460000">
+              <a:prstClr val="black">
+                <a:alpha val="70000"/>
+              </a:prstClr>
+            </a:innerShdw>
+          </a:effectLst>
+        </p:spPr>
+        <p:style>
+          <a:lnRef idx="2">
+            <a:schemeClr val="accent1">
+              <a:shade val="50000"/>
+            </a:schemeClr>
+          </a:lnRef>
+          <a:fillRef idx="1">
+            <a:schemeClr val="accent1"/>
+          </a:fillRef>
+          <a:effectRef idx="0">
+            <a:schemeClr val="accent1"/>
+          </a:effectRef>
+          <a:fontRef idx="minor">
+            <a:schemeClr val="lt1"/>
+          </a:fontRef>
+        </p:style>
+        <p:txBody>
+          <a:bodyPr rtlCol="0" anchor="ctr"/>
+          <a:lstStyle/>
+          <a:p>
+            <a:pPr algn="ctr"/>
+            <a:endParaRPr lang="en-US"/>
+          </a:p>
+        </p:txBody>
+      </p:sp>
+      <p:pic>
+        <p:nvPicPr>
+          <p:cNvPr id="5" name="Picture 4">
+            <a:extLst>
+              <a:ext uri="{FF2B5EF4-FFF2-40B4-BE49-F238E27FC236}">
+                <a16:creationId xmlns:a16="http://schemas.microsoft.com/office/drawing/2014/main" id="{F9FBACA4-EDBE-4BFE-AA62-F4144801A40E}"/>
+              </a:ext>
+            </a:extLst>
+          </p:cNvPr>
+          <p:cNvPicPr>
+            <a:picLocks noChangeAspect="1"/>
+          </p:cNvPicPr>
+          <p:nvPr/>
+        </p:nvPicPr>
+        <p:blipFill rotWithShape="1">
+          <a:blip r:embed="rId2">
+            <a:extLst>
+              <a:ext uri="{28A0092B-C50C-407E-A947-70E740481C1C}">
+                <a14:useLocalDpi xmlns:a14="http://schemas.microsoft.com/office/drawing/2010/main" val="0"/>
+              </a:ext>
+              <a:ext uri="{837473B0-CC2E-450A-ABE3-18F120FF3D39}">
+                <a1611:picAttrSrcUrl xmlns:a1611="http://schemas.microsoft.com/office/drawing/2016/11/main" r:id="rId3"/>
+              </a:ext>
+            </a:extLst>
+          </a:blip>
+          <a:srcRect t="34046" r="2" b="3661"/>
+          <a:stretch/>
+        </p:blipFill>
+        <p:spPr>
+          <a:xfrm>
+            <a:off x="778062" y="786117"/>
+            <a:ext cx="6245352" cy="4956048"/>
+          </a:xfrm>
+          <a:custGeom>
+            <a:avLst/>
+            <a:gdLst/>
+            <a:ahLst/>
+            <a:cxnLst/>
+            <a:rect l="l" t="t" r="r" b="b"/>
+            <a:pathLst>
+              <a:path w="6245352" h="4956048">
+                <a:moveTo>
+                  <a:pt x="534609" y="0"/>
+                </a:moveTo>
+                <a:lnTo>
+                  <a:pt x="6245352" y="0"/>
+                </a:lnTo>
+                <a:lnTo>
+                  <a:pt x="6245352" y="4421439"/>
+                </a:lnTo>
+                <a:lnTo>
+                  <a:pt x="5710743" y="4956048"/>
+                </a:lnTo>
+                <a:lnTo>
+                  <a:pt x="0" y="4956048"/>
+                </a:lnTo>
+                <a:lnTo>
+                  <a:pt x="0" y="534609"/>
+                </a:lnTo>
+                <a:close/>
+              </a:path>
+            </a:pathLst>
+          </a:custGeom>
+        </p:spPr>
+      </p:pic>
+      <p:sp>
+        <p:nvSpPr>
+          <p:cNvPr id="3" name="Content Placeholder 2">
+            <a:extLst>
+              <a:ext uri="{FF2B5EF4-FFF2-40B4-BE49-F238E27FC236}">
+                <a16:creationId xmlns:a16="http://schemas.microsoft.com/office/drawing/2014/main" id="{D84FE1AC-6F9E-4A37-9295-2E45C0601D88}"/>
+              </a:ext>
+            </a:extLst>
+          </p:cNvPr>
+          <p:cNvSpPr>
+            <a:spLocks noGrp="1"/>
+          </p:cNvSpPr>
+          <p:nvPr>
+            <p:ph idx="1"/>
+          </p:nvPr>
+        </p:nvSpPr>
+        <p:spPr>
+          <a:xfrm>
+            <a:off x="7532710" y="1822449"/>
+            <a:ext cx="3479419" cy="3070226"/>
+          </a:xfrm>
+        </p:spPr>
+        <p:txBody>
+          <a:bodyPr anchor="t">
+            <a:normAutofit/>
+          </a:bodyPr>
+          <a:lstStyle/>
+          <a:p>
+            <a:r>
+              <a:rPr lang="en-CA" sz="1400" dirty="0">
+                <a:solidFill>
+                  <a:schemeClr val="tx1"/>
+                </a:solidFill>
+              </a:rPr>
+              <a:t>QUERYING</a:t>
+            </a:r>
+          </a:p>
+          <a:p>
+            <a:pPr lvl="1"/>
+            <a:r>
+              <a:rPr lang="en-CA" sz="1400" dirty="0">
+                <a:solidFill>
+                  <a:schemeClr val="tx1"/>
+                </a:solidFill>
+              </a:rPr>
+              <a:t>API/URL</a:t>
+            </a:r>
+          </a:p>
+          <a:p>
+            <a:pPr lvl="1"/>
+            <a:r>
+              <a:rPr lang="en-CA" sz="1400" dirty="0">
+                <a:solidFill>
+                  <a:schemeClr val="tx1"/>
+                </a:solidFill>
+              </a:rPr>
+              <a:t>D3.JSON</a:t>
+            </a:r>
+          </a:p>
+          <a:p>
+            <a:pPr marL="0" indent="0">
+              <a:buNone/>
+            </a:pPr>
+            <a:endParaRPr lang="en-CA" sz="1400" dirty="0"/>
+          </a:p>
+        </p:txBody>
+      </p:sp>
+      <p:grpSp>
+        <p:nvGrpSpPr>
+          <p:cNvPr id="15" name="Group 14">
+            <a:extLst>
+              <a:ext uri="{FF2B5EF4-FFF2-40B4-BE49-F238E27FC236}">
+                <a16:creationId xmlns:a16="http://schemas.microsoft.com/office/drawing/2014/main" id="{A9733A91-F958-4629-801A-3F6F1E09AD64}"/>
+              </a:ext>
+              <a:ext uri="{C183D7F6-B498-43B3-948B-1728B52AA6E4}">
+                <adec:decorative xmlns:adec="http://schemas.microsoft.com/office/drawing/2017/decorative" val="1"/>
+              </a:ext>
+            </a:extLst>
+          </p:cNvPr>
+          <p:cNvGrpSpPr>
+            <a:grpSpLocks noGrp="1" noUngrp="1" noRot="1" noChangeAspect="1" noMove="1" noResize="1"/>
+          </p:cNvGrpSpPr>
+          <p:nvPr>
+            <p:extLst>
+              <p:ext uri="{386F3935-93C4-4BCD-93E2-E3B085C9AB24}">
+                <p16:designElem xmlns:p16="http://schemas.microsoft.com/office/powerpoint/2015/main" val="1"/>
+              </p:ext>
+            </p:extLst>
+          </p:nvPr>
+        </p:nvGrpSpPr>
+        <p:grpSpPr>
+          <a:xfrm>
+            <a:off x="9206969" y="2963333"/>
+            <a:ext cx="2981858" cy="3208867"/>
+            <a:chOff x="9206969" y="2963333"/>
+            <a:chExt cx="2981858" cy="3208867"/>
+          </a:xfrm>
+        </p:grpSpPr>
+        <p:cxnSp>
+          <p:nvCxnSpPr>
+            <p:cNvPr id="16" name="Straight Connector 15">
+              <a:extLst>
+                <a:ext uri="{FF2B5EF4-FFF2-40B4-BE49-F238E27FC236}">
+                  <a16:creationId xmlns:a16="http://schemas.microsoft.com/office/drawing/2014/main" id="{F3812972-C68B-4C59-B3A7-4AF61E935D4A}"/>
+                </a:ext>
+                <a:ext uri="{C183D7F6-B498-43B3-948B-1728B52AA6E4}">
+                  <adec:decorative xmlns:adec="http://schemas.microsoft.com/office/drawing/2017/decorative" val="1"/>
+                </a:ext>
+              </a:extLst>
+            </p:cNvPr>
+            <p:cNvCxnSpPr/>
+            <p:nvPr>
+              <p:extLst>
+                <p:ext uri="{386F3935-93C4-4BCD-93E2-E3B085C9AB24}">
+                  <p16:designElem xmlns:p16="http://schemas.microsoft.com/office/powerpoint/2015/main" val="1"/>
+                </p:ext>
+              </p:extLst>
+            </p:nvPr>
+          </p:nvCxnSpPr>
+          <p:spPr>
+            <a:xfrm flipH="1">
+              <a:off x="11276012" y="2963333"/>
+              <a:ext cx="912814" cy="912812"/>
+            </a:xfrm>
+            <a:prstGeom prst="line">
+              <a:avLst/>
+            </a:prstGeom>
+            <a:ln w="9525">
+              <a:solidFill>
+                <a:schemeClr val="tx1"/>
+              </a:solidFill>
+            </a:ln>
+          </p:spPr>
+          <p:style>
+            <a:lnRef idx="2">
+              <a:schemeClr val="accent1"/>
+            </a:lnRef>
+            <a:fillRef idx="0">
+              <a:schemeClr val="accent1"/>
+            </a:fillRef>
+            <a:effectRef idx="1">
+              <a:schemeClr val="accent1"/>
+            </a:effectRef>
+            <a:fontRef idx="minor">
+              <a:schemeClr val="tx1"/>
+            </a:fontRef>
+          </p:style>
+        </p:cxnSp>
+        <p:cxnSp>
+          <p:nvCxnSpPr>
+            <p:cNvPr id="17" name="Straight Connector 16">
+              <a:extLst>
+                <a:ext uri="{FF2B5EF4-FFF2-40B4-BE49-F238E27FC236}">
+                  <a16:creationId xmlns:a16="http://schemas.microsoft.com/office/drawing/2014/main" id="{CB3F3B7C-7909-4486-AA08-5C6B625C3A0A}"/>
+                </a:ext>
+                <a:ext uri="{C183D7F6-B498-43B3-948B-1728B52AA6E4}">
+                  <adec:decorative xmlns:adec="http://schemas.microsoft.com/office/drawing/2017/decorative" val="1"/>
+                </a:ext>
+              </a:extLst>
+            </p:cNvPr>
+            <p:cNvCxnSpPr/>
+            <p:nvPr>
+              <p:extLst>
+                <p:ext uri="{386F3935-93C4-4BCD-93E2-E3B085C9AB24}">
+                  <p16:designElem xmlns:p16="http://schemas.microsoft.com/office/powerpoint/2015/main" val="1"/>
+                </p:ext>
+              </p:extLst>
+            </p:nvPr>
+          </p:nvCxnSpPr>
+          <p:spPr>
+            <a:xfrm flipH="1">
+              <a:off x="9206969" y="3190344"/>
+              <a:ext cx="2981857" cy="2981856"/>
+            </a:xfrm>
+            <a:prstGeom prst="line">
+              <a:avLst/>
+            </a:prstGeom>
+            <a:ln w="9525">
+              <a:solidFill>
+                <a:schemeClr val="tx1"/>
+              </a:solidFill>
+            </a:ln>
+          </p:spPr>
+          <p:style>
+            <a:lnRef idx="2">
+              <a:schemeClr val="accent1"/>
+            </a:lnRef>
+            <a:fillRef idx="0">
+              <a:schemeClr val="accent1"/>
+            </a:fillRef>
+            <a:effectRef idx="1">
+              <a:schemeClr val="accent1"/>
+            </a:effectRef>
+            <a:fontRef idx="minor">
+              <a:schemeClr val="tx1"/>
+            </a:fontRef>
+          </p:style>
+        </p:cxnSp>
+        <p:cxnSp>
+          <p:nvCxnSpPr>
+            <p:cNvPr id="18" name="Straight Connector 17">
+              <a:extLst>
+                <a:ext uri="{FF2B5EF4-FFF2-40B4-BE49-F238E27FC236}">
+                  <a16:creationId xmlns:a16="http://schemas.microsoft.com/office/drawing/2014/main" id="{00BD7DA8-741F-4296-9363-05EF91541119}"/>
+                </a:ext>
+                <a:ext uri="{C183D7F6-B498-43B3-948B-1728B52AA6E4}">
+                  <adec:decorative xmlns:adec="http://schemas.microsoft.com/office/drawing/2017/decorative" val="1"/>
+                </a:ext>
+              </a:extLst>
+            </p:cNvPr>
+            <p:cNvCxnSpPr/>
+            <p:nvPr>
+              <p:extLst>
+                <p:ext uri="{386F3935-93C4-4BCD-93E2-E3B085C9AB24}">
+                  <p16:designElem xmlns:p16="http://schemas.microsoft.com/office/powerpoint/2015/main" val="1"/>
+                </p:ext>
+              </p:extLst>
+            </p:nvPr>
+          </p:nvCxnSpPr>
+          <p:spPr>
+            <a:xfrm flipH="1">
+              <a:off x="10292292" y="3285067"/>
+              <a:ext cx="1896534" cy="1896533"/>
+            </a:xfrm>
+            <a:prstGeom prst="line">
+              <a:avLst/>
+            </a:prstGeom>
+            <a:ln w="9525">
+              <a:solidFill>
+                <a:schemeClr val="tx1"/>
+              </a:solidFill>
+            </a:ln>
+          </p:spPr>
+          <p:style>
+            <a:lnRef idx="2">
+              <a:schemeClr val="accent1"/>
+            </a:lnRef>
+            <a:fillRef idx="0">
+              <a:schemeClr val="accent1"/>
+            </a:fillRef>
+            <a:effectRef idx="1">
+              <a:schemeClr val="accent1"/>
+            </a:effectRef>
+            <a:fontRef idx="minor">
+              <a:schemeClr val="tx1"/>
+            </a:fontRef>
+          </p:style>
+        </p:cxnSp>
+        <p:cxnSp>
+          <p:nvCxnSpPr>
+            <p:cNvPr id="19" name="Straight Connector 18">
+              <a:extLst>
+                <a:ext uri="{FF2B5EF4-FFF2-40B4-BE49-F238E27FC236}">
+                  <a16:creationId xmlns:a16="http://schemas.microsoft.com/office/drawing/2014/main" id="{62068EFC-20FC-456F-839F-4BCFFCAA8197}"/>
+                </a:ext>
+                <a:ext uri="{C183D7F6-B498-43B3-948B-1728B52AA6E4}">
+                  <adec:decorative xmlns:adec="http://schemas.microsoft.com/office/drawing/2017/decorative" val="1"/>
+                </a:ext>
+              </a:extLst>
+            </p:cNvPr>
+            <p:cNvCxnSpPr/>
+            <p:nvPr>
+              <p:extLst>
+                <p:ext uri="{386F3935-93C4-4BCD-93E2-E3B085C9AB24}">
+                  <p16:designElem xmlns:p16="http://schemas.microsoft.com/office/powerpoint/2015/main" val="1"/>
+                </p:ext>
+              </p:extLst>
+            </p:nvPr>
+          </p:nvCxnSpPr>
+          <p:spPr>
+            <a:xfrm flipH="1">
+              <a:off x="10443103" y="3131080"/>
+              <a:ext cx="1745722" cy="1745720"/>
+            </a:xfrm>
+            <a:prstGeom prst="line">
+              <a:avLst/>
+            </a:prstGeom>
+            <a:ln w="28575">
+              <a:solidFill>
+                <a:schemeClr val="tx1"/>
+              </a:solidFill>
+            </a:ln>
+          </p:spPr>
+          <p:style>
+            <a:lnRef idx="2">
+              <a:schemeClr val="accent1"/>
+            </a:lnRef>
+            <a:fillRef idx="0">
+              <a:schemeClr val="accent1"/>
+            </a:fillRef>
+            <a:effectRef idx="1">
+              <a:schemeClr val="accent1"/>
+            </a:effectRef>
+            <a:fontRef idx="minor">
+              <a:schemeClr val="tx1"/>
+            </a:fontRef>
+          </p:style>
+        </p:cxnSp>
+        <p:cxnSp>
+          <p:nvCxnSpPr>
+            <p:cNvPr id="20" name="Straight Connector 19">
+              <a:extLst>
+                <a:ext uri="{FF2B5EF4-FFF2-40B4-BE49-F238E27FC236}">
+                  <a16:creationId xmlns:a16="http://schemas.microsoft.com/office/drawing/2014/main" id="{3251C60F-B911-433E-BF75-3BBEFD0538CB}"/>
+                </a:ext>
+                <a:ext uri="{C183D7F6-B498-43B3-948B-1728B52AA6E4}">
+                  <adec:decorative xmlns:adec="http://schemas.microsoft.com/office/drawing/2017/decorative" val="1"/>
+                </a:ext>
+              </a:extLst>
+            </p:cNvPr>
+            <p:cNvCxnSpPr/>
+            <p:nvPr>
+              <p:extLst>
+                <p:ext uri="{386F3935-93C4-4BCD-93E2-E3B085C9AB24}">
+                  <p16:designElem xmlns:p16="http://schemas.microsoft.com/office/powerpoint/2015/main" val="1"/>
+                </p:ext>
+              </p:extLst>
+            </p:nvPr>
+          </p:nvCxnSpPr>
+          <p:spPr>
+            <a:xfrm flipH="1">
+              <a:off x="10918826" y="3683001"/>
+              <a:ext cx="1270001" cy="1269999"/>
+            </a:xfrm>
+            <a:prstGeom prst="line">
+              <a:avLst/>
+            </a:prstGeom>
+            <a:ln w="28575">
+              <a:solidFill>
+                <a:schemeClr val="tx1"/>
+              </a:solidFill>
+            </a:ln>
+          </p:spPr>
+          <p:style>
+            <a:lnRef idx="2">
+              <a:schemeClr val="accent1"/>
+            </a:lnRef>
+            <a:fillRef idx="0">
+              <a:schemeClr val="accent1"/>
+            </a:fillRef>
+            <a:effectRef idx="1">
+              <a:schemeClr val="accent1"/>
+            </a:effectRef>
+            <a:fontRef idx="minor">
+              <a:schemeClr val="tx1"/>
+            </a:fontRef>
+          </p:style>
+        </p:cxnSp>
+      </p:grpSp>
+      <p:sp>
+        <p:nvSpPr>
+          <p:cNvPr id="6" name="TextBox 5">
+            <a:extLst>
+              <a:ext uri="{FF2B5EF4-FFF2-40B4-BE49-F238E27FC236}">
+                <a16:creationId xmlns:a16="http://schemas.microsoft.com/office/drawing/2014/main" id="{8ECE154F-64C0-4F12-8DCE-7ED516428A72}"/>
+              </a:ext>
+            </a:extLst>
+          </p:cNvPr>
+          <p:cNvSpPr txBox="1"/>
+          <p:nvPr/>
+        </p:nvSpPr>
+        <p:spPr>
+          <a:xfrm>
+            <a:off x="9652522" y="6657945"/>
+            <a:ext cx="2539478" cy="200055"/>
+          </a:xfrm>
+          <a:prstGeom prst="rect">
+            <a:avLst/>
+          </a:prstGeom>
+          <a:solidFill>
+            <a:srgbClr val="000000"/>
+          </a:solidFill>
+        </p:spPr>
+        <p:txBody>
+          <a:bodyPr wrap="none" rtlCol="0">
+            <a:spAutoFit/>
+          </a:bodyPr>
+          <a:lstStyle/>
+          <a:p>
+            <a:pPr algn="r">
+              <a:spcAft>
+                <a:spcPts val="600"/>
+              </a:spcAft>
+            </a:pPr>
+            <a:r>
+              <a:rPr lang="en-CA" sz="700">
+                <a:solidFill>
+                  <a:srgbClr val="FFFFFF"/>
+                </a:solidFill>
+                <a:hlinkClick r:id="rId3" tooltip="http://datablog.is.ed.ac.uk/category/active-data-infrastructure/">
+                  <a:extLst>
+                    <a:ext uri="{A12FA001-AC4F-418D-AE19-62706E023703}">
+                      <ahyp:hlinkClr xmlns:ahyp="http://schemas.microsoft.com/office/drawing/2018/hyperlinkcolor" val="tx"/>
+                    </a:ext>
+                  </a:extLst>
+                </a:hlinkClick>
+              </a:rPr>
+              <a:t>This Photo</a:t>
+            </a:r>
+            <a:r>
+              <a:rPr lang="en-CA" sz="700">
+                <a:solidFill>
+                  <a:srgbClr val="FFFFFF"/>
+                </a:solidFill>
+              </a:rPr>
+              <a:t> by Unknown Author is licensed under </a:t>
+            </a:r>
+            <a:r>
+              <a:rPr lang="en-CA" sz="700">
+                <a:solidFill>
+                  <a:srgbClr val="FFFFFF"/>
+                </a:solidFill>
+                <a:hlinkClick r:id="rId4" tooltip="https://creativecommons.org/licenses/by/3.0/">
+                  <a:extLst>
+                    <a:ext uri="{A12FA001-AC4F-418D-AE19-62706E023703}">
+                      <ahyp:hlinkClr xmlns:ahyp="http://schemas.microsoft.com/office/drawing/2018/hyperlinkcolor" val="tx"/>
+                    </a:ext>
+                  </a:extLst>
+                </a:hlinkClick>
+              </a:rPr>
+              <a:t>CC BY</a:t>
+            </a:r>
+            <a:endParaRPr lang="en-CA" sz="700">
+              <a:solidFill>
+                <a:srgbClr val="FFFFFF"/>
+              </a:solidFill>
+            </a:endParaRPr>
+          </a:p>
+        </p:txBody>
+      </p:sp>
+    </p:spTree>
+    <p:extLst>
+      <p:ext uri="{BB962C8B-B14F-4D97-AF65-F5344CB8AC3E}">
+        <p14:creationId xmlns:p14="http://schemas.microsoft.com/office/powerpoint/2010/main" val="1298018358"/>
+      </p:ext>
+    </p:extLst>
+  </p:cSld>
+  <p:clrMapOvr>
+    <a:masterClrMapping/>
+  </p:clrMapOvr>
+</p:sld>
+</file>
+
+<file path=ppt/slides/slide8.xml><?xml version="1.0" encoding="utf-8"?>
+<p:sld xmlns:a="http://schemas.openxmlformats.org/drawingml/2006/main" xmlns:r="http://schemas.openxmlformats.org/officeDocument/2006/relationships" xmlns:p="http://schemas.openxmlformats.org/presentationml/2006/main">
+  <p:cSld>
+    <p:bg>
+      <p:bgPr>
+        <a:gradFill rotWithShape="1">
+          <a:gsLst>
+            <a:gs pos="10000">
+              <a:schemeClr val="bg2">
+                <a:tint val="97000"/>
+                <a:hueMod val="92000"/>
+                <a:satMod val="169000"/>
+                <a:lumMod val="164000"/>
+              </a:schemeClr>
+            </a:gs>
+            <a:gs pos="100000">
+              <a:schemeClr val="bg2">
+                <a:shade val="96000"/>
+                <a:satMod val="120000"/>
+                <a:lumMod val="90000"/>
+              </a:schemeClr>
+            </a:gs>
+          </a:gsLst>
+          <a:lin ang="6120000" scaled="1"/>
+        </a:gradFill>
+        <a:effectLst/>
+      </p:bgPr>
+    </p:bg>
+    <p:spTree>
+      <p:nvGrpSpPr>
+        <p:cNvPr id="1" name=""/>
+        <p:cNvGrpSpPr/>
+        <p:nvPr/>
+      </p:nvGrpSpPr>
+      <p:grpSpPr>
+        <a:xfrm>
+          <a:off x="0" y="0"/>
+          <a:ext cx="0" cy="0"/>
+          <a:chOff x="0" y="0"/>
+          <a:chExt cx="0" cy="0"/>
+        </a:xfrm>
+      </p:grpSpPr>
+      <p:cxnSp>
+        <p:nvCxnSpPr>
+          <p:cNvPr id="16" name="Straight Connector 15">
+            <a:extLst>
+              <a:ext uri="{FF2B5EF4-FFF2-40B4-BE49-F238E27FC236}">
+                <a16:creationId xmlns:a16="http://schemas.microsoft.com/office/drawing/2014/main" id="{8FD48FB1-66D8-4676-B0AA-C139A1DB78D1}"/>
+              </a:ext>
+              <a:ext uri="{C183D7F6-B498-43B3-948B-1728B52AA6E4}">
+                <adec:decorative xmlns:adec="http://schemas.microsoft.com/office/drawing/2017/decorative" val="1"/>
+              </a:ext>
+            </a:extLst>
+          </p:cNvPr>
+          <p:cNvCxnSpPr>
+            <a:cxnSpLocks noGrp="1" noRot="1" noChangeAspect="1" noMove="1" noResize="1" noEditPoints="1" noAdjustHandles="1" noChangeArrowheads="1" noChangeShapeType="1"/>
+          </p:cNvCxnSpPr>
+          <p:nvPr>
+            <p:extLst>
+              <p:ext uri="{386F3935-93C4-4BCD-93E2-E3B085C9AB24}">
+                <p16:designElem xmlns:p16="http://schemas.microsoft.com/office/powerpoint/2015/main" val="1"/>
+              </p:ext>
+            </p:extLst>
+          </p:nvPr>
+        </p:nvCxnSpPr>
+        <p:spPr>
+          <a:xfrm flipH="1">
+            <a:off x="8228012" y="8467"/>
+            <a:ext cx="3810000" cy="3810000"/>
+          </a:xfrm>
+          <a:prstGeom prst="line">
+            <a:avLst/>
+          </a:prstGeom>
+          <a:ln w="12700">
+            <a:solidFill>
+              <a:schemeClr val="tx1"/>
+            </a:solidFill>
+          </a:ln>
+        </p:spPr>
+        <p:style>
+          <a:lnRef idx="2">
+            <a:schemeClr val="accent1"/>
+          </a:lnRef>
+          <a:fillRef idx="0">
+            <a:schemeClr val="accent1"/>
+          </a:fillRef>
+          <a:effectRef idx="1">
+            <a:schemeClr val="accent1"/>
+          </a:effectRef>
+          <a:fontRef idx="minor">
+            <a:schemeClr val="tx1"/>
+          </a:fontRef>
+        </p:style>
+      </p:cxnSp>
+      <p:cxnSp>
+        <p:nvCxnSpPr>
+          <p:cNvPr id="18" name="Straight Connector 17">
+            <a:extLst>
+              <a:ext uri="{FF2B5EF4-FFF2-40B4-BE49-F238E27FC236}">
+                <a16:creationId xmlns:a16="http://schemas.microsoft.com/office/drawing/2014/main" id="{F033F5AE-6728-4F19-8DED-658E674B31B9}"/>
+              </a:ext>
+              <a:ext uri="{C183D7F6-B498-43B3-948B-1728B52AA6E4}">
+                <adec:decorative xmlns:adec="http://schemas.microsoft.com/office/drawing/2017/decorative" val="1"/>
+              </a:ext>
+            </a:extLst>
+          </p:cNvPr>
+          <p:cNvCxnSpPr>
+            <a:cxnSpLocks noGrp="1" noRot="1" noChangeAspect="1" noMove="1" noResize="1" noEditPoints="1" noAdjustHandles="1" noChangeArrowheads="1" noChangeShapeType="1"/>
+          </p:cNvCxnSpPr>
+          <p:nvPr>
+            <p:extLst>
+              <p:ext uri="{386F3935-93C4-4BCD-93E2-E3B085C9AB24}">
+                <p16:designElem xmlns:p16="http://schemas.microsoft.com/office/powerpoint/2015/main" val="1"/>
+              </p:ext>
+            </p:extLst>
+          </p:nvPr>
+        </p:nvCxnSpPr>
+        <p:spPr>
+          <a:xfrm flipH="1">
+            <a:off x="6108170" y="91545"/>
+            <a:ext cx="6080655" cy="6080655"/>
+          </a:xfrm>
+          <a:prstGeom prst="line">
+            <a:avLst/>
+          </a:prstGeom>
+          <a:ln w="12700">
+            <a:solidFill>
+              <a:schemeClr val="tx1"/>
+            </a:solidFill>
+          </a:ln>
+        </p:spPr>
+        <p:style>
+          <a:lnRef idx="2">
+            <a:schemeClr val="accent1"/>
+          </a:lnRef>
+          <a:fillRef idx="0">
+            <a:schemeClr val="accent1"/>
+          </a:fillRef>
+          <a:effectRef idx="1">
+            <a:schemeClr val="accent1"/>
+          </a:effectRef>
+          <a:fontRef idx="minor">
+            <a:schemeClr val="tx1"/>
+          </a:fontRef>
+        </p:style>
+      </p:cxnSp>
+      <p:cxnSp>
+        <p:nvCxnSpPr>
+          <p:cNvPr id="20" name="Straight Connector 19">
+            <a:extLst>
+              <a:ext uri="{FF2B5EF4-FFF2-40B4-BE49-F238E27FC236}">
+                <a16:creationId xmlns:a16="http://schemas.microsoft.com/office/drawing/2014/main" id="{82C7D74A-18BA-4709-A808-44E8815C4430}"/>
+              </a:ext>
+              <a:ext uri="{C183D7F6-B498-43B3-948B-1728B52AA6E4}">
+                <adec:decorative xmlns:adec="http://schemas.microsoft.com/office/drawing/2017/decorative" val="1"/>
+              </a:ext>
+            </a:extLst>
+          </p:cNvPr>
+          <p:cNvCxnSpPr>
+            <a:cxnSpLocks noGrp="1" noRot="1" noChangeAspect="1" noMove="1" noResize="1" noEditPoints="1" noAdjustHandles="1" noChangeArrowheads="1" noChangeShapeType="1"/>
+          </p:cNvCxnSpPr>
+          <p:nvPr>
+            <p:extLst>
+              <p:ext uri="{386F3935-93C4-4BCD-93E2-E3B085C9AB24}">
+                <p16:designElem xmlns:p16="http://schemas.microsoft.com/office/powerpoint/2015/main" val="1"/>
+              </p:ext>
+            </p:extLst>
+          </p:nvPr>
+        </p:nvCxnSpPr>
+        <p:spPr>
+          <a:xfrm flipH="1">
+            <a:off x="7235825" y="228600"/>
+            <a:ext cx="4953000" cy="4953000"/>
+          </a:xfrm>
+          <a:prstGeom prst="line">
+            <a:avLst/>
+          </a:prstGeom>
+          <a:ln w="12700">
+            <a:solidFill>
+              <a:schemeClr val="tx1"/>
+            </a:solidFill>
+          </a:ln>
+        </p:spPr>
+        <p:style>
+          <a:lnRef idx="2">
+            <a:schemeClr val="accent1"/>
+          </a:lnRef>
+          <a:fillRef idx="0">
+            <a:schemeClr val="accent1"/>
+          </a:fillRef>
+          <a:effectRef idx="1">
+            <a:schemeClr val="accent1"/>
+          </a:effectRef>
+          <a:fontRef idx="minor">
+            <a:schemeClr val="tx1"/>
+          </a:fontRef>
+        </p:style>
+      </p:cxnSp>
+      <p:cxnSp>
+        <p:nvCxnSpPr>
+          <p:cNvPr id="22" name="Straight Connector 21">
+            <a:extLst>
+              <a:ext uri="{FF2B5EF4-FFF2-40B4-BE49-F238E27FC236}">
+                <a16:creationId xmlns:a16="http://schemas.microsoft.com/office/drawing/2014/main" id="{B5164A3F-1561-4039-8185-AB0EEB713EA7}"/>
+              </a:ext>
+              <a:ext uri="{C183D7F6-B498-43B3-948B-1728B52AA6E4}">
+                <adec:decorative xmlns:adec="http://schemas.microsoft.com/office/drawing/2017/decorative" val="1"/>
+              </a:ext>
+            </a:extLst>
+          </p:cNvPr>
+          <p:cNvCxnSpPr>
+            <a:cxnSpLocks noGrp="1" noRot="1" noChangeAspect="1" noMove="1" noResize="1" noEditPoints="1" noAdjustHandles="1" noChangeArrowheads="1" noChangeShapeType="1"/>
+          </p:cNvCxnSpPr>
+          <p:nvPr>
+            <p:extLst>
+              <p:ext uri="{386F3935-93C4-4BCD-93E2-E3B085C9AB24}">
+                <p16:designElem xmlns:p16="http://schemas.microsoft.com/office/powerpoint/2015/main" val="1"/>
+              </p:ext>
+            </p:extLst>
+          </p:nvPr>
+        </p:nvCxnSpPr>
+        <p:spPr>
+          <a:xfrm flipH="1">
+            <a:off x="7335837" y="32278"/>
+            <a:ext cx="4852989" cy="4852989"/>
+          </a:xfrm>
+          <a:prstGeom prst="line">
+            <a:avLst/>
+          </a:prstGeom>
+          <a:ln w="31750">
+            <a:solidFill>
+              <a:schemeClr val="tx1"/>
+            </a:solidFill>
+          </a:ln>
+        </p:spPr>
+        <p:style>
+          <a:lnRef idx="2">
+            <a:schemeClr val="accent1"/>
+          </a:lnRef>
+          <a:fillRef idx="0">
+            <a:schemeClr val="accent1"/>
+          </a:fillRef>
+          <a:effectRef idx="1">
+            <a:schemeClr val="accent1"/>
+          </a:effectRef>
+          <a:fontRef idx="minor">
+            <a:schemeClr val="tx1"/>
+          </a:fontRef>
+        </p:style>
+      </p:cxnSp>
+      <p:cxnSp>
+        <p:nvCxnSpPr>
+          <p:cNvPr id="24" name="Straight Connector 23">
+            <a:extLst>
+              <a:ext uri="{FF2B5EF4-FFF2-40B4-BE49-F238E27FC236}">
+                <a16:creationId xmlns:a16="http://schemas.microsoft.com/office/drawing/2014/main" id="{2A35DB53-42BE-460E-9CA1-1294C98463CB}"/>
+              </a:ext>
+              <a:ext uri="{C183D7F6-B498-43B3-948B-1728B52AA6E4}">
+                <adec:decorative xmlns:adec="http://schemas.microsoft.com/office/drawing/2017/decorative" val="1"/>
+              </a:ext>
+            </a:extLst>
+          </p:cNvPr>
+          <p:cNvCxnSpPr>
+            <a:cxnSpLocks noGrp="1" noRot="1" noChangeAspect="1" noMove="1" noResize="1" noEditPoints="1" noAdjustHandles="1" noChangeArrowheads="1" noChangeShapeType="1"/>
+          </p:cNvCxnSpPr>
+          <p:nvPr>
+            <p:extLst>
+              <p:ext uri="{386F3935-93C4-4BCD-93E2-E3B085C9AB24}">
+                <p16:designElem xmlns:p16="http://schemas.microsoft.com/office/powerpoint/2015/main" val="1"/>
+              </p:ext>
+            </p:extLst>
+          </p:nvPr>
+        </p:nvCxnSpPr>
+        <p:spPr>
+          <a:xfrm flipH="1">
+            <a:off x="7845426" y="609601"/>
+            <a:ext cx="4343399" cy="4343399"/>
+          </a:xfrm>
+          <a:prstGeom prst="line">
+            <a:avLst/>
+          </a:prstGeom>
+          <a:ln w="31750">
+            <a:solidFill>
+              <a:schemeClr val="tx1"/>
+            </a:solidFill>
+          </a:ln>
+        </p:spPr>
+        <p:style>
+          <a:lnRef idx="2">
+            <a:schemeClr val="accent1"/>
+          </a:lnRef>
+          <a:fillRef idx="0">
+            <a:schemeClr val="accent1"/>
+          </a:fillRef>
+          <a:effectRef idx="1">
+            <a:schemeClr val="accent1"/>
+          </a:effectRef>
+          <a:fontRef idx="minor">
+            <a:schemeClr val="tx1"/>
+          </a:fontRef>
+        </p:style>
+      </p:cxnSp>
+      <p:sp useBgFill="1">
+        <p:nvSpPr>
+          <p:cNvPr id="26" name="Rectangle 25">
+            <a:extLst>
+              <a:ext uri="{FF2B5EF4-FFF2-40B4-BE49-F238E27FC236}">
+                <a16:creationId xmlns:a16="http://schemas.microsoft.com/office/drawing/2014/main" id="{C5BDD1EA-D8C1-45AF-9F0A-14A2A137BA2A}"/>
+              </a:ext>
+              <a:ext uri="{C183D7F6-B498-43B3-948B-1728B52AA6E4}">
+                <adec:decorative xmlns:adec="http://schemas.microsoft.com/office/drawing/2017/decorative" val="1"/>
+              </a:ext>
+            </a:extLst>
+          </p:cNvPr>
+          <p:cNvSpPr>
+            <a:spLocks noGrp="1" noRot="1" noChangeAspect="1" noMove="1" noResize="1" noEditPoints="1" noAdjustHandles="1" noChangeArrowheads="1" noChangeShapeType="1" noTextEdit="1"/>
+          </p:cNvSpPr>
+          <p:nvPr>
+            <p:extLst>
+              <p:ext uri="{386F3935-93C4-4BCD-93E2-E3B085C9AB24}">
+                <p16:designElem xmlns:p16="http://schemas.microsoft.com/office/powerpoint/2015/main" val="1"/>
+              </p:ext>
+            </p:extLst>
+          </p:nvPr>
+        </p:nvSpPr>
+        <p:spPr>
+          <a:xfrm>
+            <a:off x="0" y="0"/>
+            <a:ext cx="12192000" cy="6858000"/>
+          </a:xfrm>
+          <a:prstGeom prst="rect">
+            <a:avLst/>
+          </a:prstGeom>
+          <a:ln>
+            <a:noFill/>
+          </a:ln>
+        </p:spPr>
+        <p:style>
+          <a:lnRef idx="2">
+            <a:schemeClr val="accent1">
+              <a:shade val="50000"/>
+            </a:schemeClr>
+          </a:lnRef>
+          <a:fillRef idx="1">
+            <a:schemeClr val="accent1"/>
+          </a:fillRef>
+          <a:effectRef idx="0">
+            <a:schemeClr val="accent1"/>
+          </a:effectRef>
+          <a:fontRef idx="minor">
+            <a:schemeClr val="lt1"/>
+          </a:fontRef>
+        </p:style>
+        <p:txBody>
+          <a:bodyPr rtlCol="0" anchor="ctr"/>
+          <a:lstStyle/>
+          <a:p>
+            <a:pPr algn="ctr"/>
+            <a:endParaRPr lang="en-US"/>
+          </a:p>
+        </p:txBody>
+      </p:sp>
+      <p:sp>
+        <p:nvSpPr>
+          <p:cNvPr id="2" name="Title 1">
+            <a:extLst>
+              <a:ext uri="{FF2B5EF4-FFF2-40B4-BE49-F238E27FC236}">
+                <a16:creationId xmlns:a16="http://schemas.microsoft.com/office/drawing/2014/main" id="{63AA4019-5C33-4934-8260-0187BF00F18E}"/>
+              </a:ext>
+            </a:extLst>
+          </p:cNvPr>
+          <p:cNvSpPr>
+            <a:spLocks noGrp="1"/>
+          </p:cNvSpPr>
+          <p:nvPr>
+            <p:ph type="title"/>
+          </p:nvPr>
+        </p:nvSpPr>
+        <p:spPr>
+          <a:xfrm>
+            <a:off x="7442090" y="1585349"/>
+            <a:ext cx="4640481" cy="1149384"/>
+          </a:xfrm>
+        </p:spPr>
+        <p:txBody>
+          <a:bodyPr vert="horz" lIns="91440" tIns="45720" rIns="91440" bIns="45720" rtlCol="0" anchor="b">
+            <a:normAutofit/>
+          </a:bodyPr>
+          <a:lstStyle/>
+          <a:p>
+            <a:r>
+              <a:rPr lang="en-US" sz="4800" dirty="0"/>
+              <a:t>visualization</a:t>
+            </a:r>
+          </a:p>
+        </p:txBody>
+      </p:sp>
+      <p:sp>
+        <p:nvSpPr>
+          <p:cNvPr id="28" name="Snip Diagonal Corner Rectangle 6">
+            <a:extLst>
+              <a:ext uri="{FF2B5EF4-FFF2-40B4-BE49-F238E27FC236}">
+                <a16:creationId xmlns:a16="http://schemas.microsoft.com/office/drawing/2014/main" id="{14354E08-0068-48D7-A8AD-84C7B1CF585D}"/>
+              </a:ext>
+              <a:ext uri="{C183D7F6-B498-43B3-948B-1728B52AA6E4}">
+                <adec:decorative xmlns:adec="http://schemas.microsoft.com/office/drawing/2017/decorative" val="1"/>
+              </a:ext>
+            </a:extLst>
+          </p:cNvPr>
+          <p:cNvSpPr>
+            <a:spLocks noGrp="1" noRot="1" noChangeAspect="1" noMove="1" noResize="1" noEditPoints="1" noAdjustHandles="1" noChangeArrowheads="1" noChangeShapeType="1" noTextEdit="1"/>
+          </p:cNvSpPr>
+          <p:nvPr>
+            <p:extLst>
+              <p:ext uri="{386F3935-93C4-4BCD-93E2-E3B085C9AB24}">
+                <p16:designElem xmlns:p16="http://schemas.microsoft.com/office/powerpoint/2015/main" val="1"/>
+              </p:ext>
+            </p:extLst>
+          </p:nvPr>
+        </p:nvSpPr>
+        <p:spPr>
+          <a:xfrm>
+            <a:off x="634000" y="620722"/>
+            <a:ext cx="6575496" cy="5286838"/>
+          </a:xfrm>
+          <a:prstGeom prst="snip2DiagRect">
+            <a:avLst>
+              <a:gd name="adj1" fmla="val 10787"/>
+              <a:gd name="adj2" fmla="val 0"/>
+            </a:avLst>
+          </a:prstGeom>
+          <a:solidFill>
+            <a:schemeClr val="tx1"/>
+          </a:solidFill>
+          <a:ln>
+            <a:noFill/>
+          </a:ln>
+          <a:effectLst>
+            <a:innerShdw blurRad="57150" dist="38100" dir="14460000">
+              <a:prstClr val="black">
+                <a:alpha val="70000"/>
+              </a:prstClr>
+            </a:innerShdw>
+          </a:effectLst>
+        </p:spPr>
+        <p:style>
+          <a:lnRef idx="2">
+            <a:schemeClr val="accent1">
+              <a:shade val="50000"/>
+            </a:schemeClr>
+          </a:lnRef>
+          <a:fillRef idx="1">
+            <a:schemeClr val="accent1"/>
+          </a:fillRef>
+          <a:effectRef idx="0">
+            <a:schemeClr val="accent1"/>
+          </a:effectRef>
+          <a:fontRef idx="minor">
+            <a:schemeClr val="lt1"/>
+          </a:fontRef>
+        </p:style>
+        <p:txBody>
+          <a:bodyPr rtlCol="0" anchor="ctr"/>
+          <a:lstStyle/>
+          <a:p>
+            <a:pPr algn="ctr"/>
+            <a:endParaRPr lang="en-US"/>
+          </a:p>
+        </p:txBody>
+      </p:sp>
+      <p:pic>
+        <p:nvPicPr>
+          <p:cNvPr id="10" name="Content Placeholder 9" descr="A picture containing clock&#10;&#10;Description automatically generated">
+            <a:extLst>
+              <a:ext uri="{FF2B5EF4-FFF2-40B4-BE49-F238E27FC236}">
+                <a16:creationId xmlns:a16="http://schemas.microsoft.com/office/drawing/2014/main" id="{1FD01329-74D9-47D1-8535-DA4D4B2360D3}"/>
+              </a:ext>
+            </a:extLst>
+          </p:cNvPr>
+          <p:cNvPicPr>
+            <a:picLocks noGrp="1" noChangeAspect="1"/>
+          </p:cNvPicPr>
+          <p:nvPr>
+            <p:ph idx="1"/>
+          </p:nvPr>
+        </p:nvPicPr>
+        <p:blipFill rotWithShape="1">
+          <a:blip r:embed="rId2">
+            <a:extLst>
+              <a:ext uri="{28A0092B-C50C-407E-A947-70E740481C1C}">
+                <a14:useLocalDpi xmlns:a14="http://schemas.microsoft.com/office/drawing/2010/main" val="0"/>
+              </a:ext>
+              <a:ext uri="{837473B0-CC2E-450A-ABE3-18F120FF3D39}">
+                <a1611:picAttrSrcUrl xmlns:a1611="http://schemas.microsoft.com/office/drawing/2016/11/main" r:id="rId3"/>
+              </a:ext>
+            </a:extLst>
+          </a:blip>
+          <a:srcRect l="14638" r="14793" b="-1"/>
+          <a:stretch/>
+        </p:blipFill>
+        <p:spPr>
+          <a:xfrm>
+            <a:off x="799072" y="786117"/>
+            <a:ext cx="6245352" cy="4956048"/>
+          </a:xfrm>
+          <a:custGeom>
+            <a:avLst/>
+            <a:gdLst/>
+            <a:ahLst/>
+            <a:cxnLst/>
+            <a:rect l="l" t="t" r="r" b="b"/>
+            <a:pathLst>
+              <a:path w="6245352" h="4956048">
+                <a:moveTo>
+                  <a:pt x="534609" y="0"/>
+                </a:moveTo>
+                <a:lnTo>
+                  <a:pt x="6245352" y="0"/>
+                </a:lnTo>
+                <a:lnTo>
+                  <a:pt x="6245352" y="4421439"/>
+                </a:lnTo>
+                <a:lnTo>
+                  <a:pt x="5710743" y="4956048"/>
+                </a:lnTo>
+                <a:lnTo>
+                  <a:pt x="0" y="4956048"/>
+                </a:lnTo>
+                <a:lnTo>
+                  <a:pt x="0" y="534609"/>
+                </a:lnTo>
+                <a:close/>
+              </a:path>
+            </a:pathLst>
+          </a:custGeom>
+        </p:spPr>
+      </p:pic>
+      <p:grpSp>
+        <p:nvGrpSpPr>
+          <p:cNvPr id="30" name="Group 29">
+            <a:extLst>
+              <a:ext uri="{FF2B5EF4-FFF2-40B4-BE49-F238E27FC236}">
+                <a16:creationId xmlns:a16="http://schemas.microsoft.com/office/drawing/2014/main" id="{A779F34F-2960-4B81-BA08-445B6F6A0CD7}"/>
+              </a:ext>
+              <a:ext uri="{C183D7F6-B498-43B3-948B-1728B52AA6E4}">
+                <adec:decorative xmlns:adec="http://schemas.microsoft.com/office/drawing/2017/decorative" val="1"/>
+              </a:ext>
+            </a:extLst>
+          </p:cNvPr>
+          <p:cNvGrpSpPr>
+            <a:grpSpLocks noGrp="1" noUngrp="1" noRot="1" noChangeAspect="1" noMove="1" noResize="1"/>
+          </p:cNvGrpSpPr>
+          <p:nvPr>
+            <p:extLst>
+              <p:ext uri="{386F3935-93C4-4BCD-93E2-E3B085C9AB24}">
+                <p16:designElem xmlns:p16="http://schemas.microsoft.com/office/powerpoint/2015/main" val="1"/>
+              </p:ext>
+            </p:extLst>
+          </p:nvPr>
+        </p:nvGrpSpPr>
+        <p:grpSpPr>
+          <a:xfrm>
+            <a:off x="9206969" y="2963333"/>
+            <a:ext cx="2981858" cy="3208867"/>
+            <a:chOff x="9206969" y="2963333"/>
+            <a:chExt cx="2981858" cy="3208867"/>
+          </a:xfrm>
+        </p:grpSpPr>
+        <p:cxnSp>
+          <p:nvCxnSpPr>
+            <p:cNvPr id="31" name="Straight Connector 30">
+              <a:extLst>
+                <a:ext uri="{FF2B5EF4-FFF2-40B4-BE49-F238E27FC236}">
+                  <a16:creationId xmlns:a16="http://schemas.microsoft.com/office/drawing/2014/main" id="{10A57ACC-416F-4A5D-B7F7-DDA9886A3A6C}"/>
+                </a:ext>
+                <a:ext uri="{C183D7F6-B498-43B3-948B-1728B52AA6E4}">
+                  <adec:decorative xmlns:adec="http://schemas.microsoft.com/office/drawing/2017/decorative" val="1"/>
+                </a:ext>
+              </a:extLst>
+            </p:cNvPr>
+            <p:cNvCxnSpPr/>
+            <p:nvPr>
+              <p:extLst>
+                <p:ext uri="{386F3935-93C4-4BCD-93E2-E3B085C9AB24}">
+                  <p16:designElem xmlns:p16="http://schemas.microsoft.com/office/powerpoint/2015/main" val="1"/>
+                </p:ext>
+              </p:extLst>
+            </p:nvPr>
+          </p:nvCxnSpPr>
+          <p:spPr>
+            <a:xfrm flipH="1">
+              <a:off x="11276012" y="2963333"/>
+              <a:ext cx="912814" cy="912812"/>
+            </a:xfrm>
+            <a:prstGeom prst="line">
+              <a:avLst/>
+            </a:prstGeom>
+            <a:ln w="9525">
+              <a:solidFill>
+                <a:schemeClr val="tx1"/>
+              </a:solidFill>
+            </a:ln>
+          </p:spPr>
+          <p:style>
+            <a:lnRef idx="2">
+              <a:schemeClr val="accent1"/>
+            </a:lnRef>
+            <a:fillRef idx="0">
+              <a:schemeClr val="accent1"/>
+            </a:fillRef>
+            <a:effectRef idx="1">
+              <a:schemeClr val="accent1"/>
+            </a:effectRef>
+            <a:fontRef idx="minor">
+              <a:schemeClr val="tx1"/>
+            </a:fontRef>
+          </p:style>
+        </p:cxnSp>
+        <p:cxnSp>
+          <p:nvCxnSpPr>
+            <p:cNvPr id="32" name="Straight Connector 31">
+              <a:extLst>
+                <a:ext uri="{FF2B5EF4-FFF2-40B4-BE49-F238E27FC236}">
+                  <a16:creationId xmlns:a16="http://schemas.microsoft.com/office/drawing/2014/main" id="{26522B4F-50C4-4FCE-8AE2-3789D63ED338}"/>
+                </a:ext>
+                <a:ext uri="{C183D7F6-B498-43B3-948B-1728B52AA6E4}">
+                  <adec:decorative xmlns:adec="http://schemas.microsoft.com/office/drawing/2017/decorative" val="1"/>
+                </a:ext>
+              </a:extLst>
+            </p:cNvPr>
+            <p:cNvCxnSpPr/>
+            <p:nvPr>
+              <p:extLst>
+                <p:ext uri="{386F3935-93C4-4BCD-93E2-E3B085C9AB24}">
+                  <p16:designElem xmlns:p16="http://schemas.microsoft.com/office/powerpoint/2015/main" val="1"/>
+                </p:ext>
+              </p:extLst>
+            </p:nvPr>
+          </p:nvCxnSpPr>
+          <p:spPr>
+            <a:xfrm flipH="1">
+              <a:off x="9206969" y="3190344"/>
+              <a:ext cx="2981857" cy="2981856"/>
+            </a:xfrm>
+            <a:prstGeom prst="line">
+              <a:avLst/>
+            </a:prstGeom>
+            <a:ln w="9525">
+              <a:solidFill>
+                <a:schemeClr val="tx1"/>
+              </a:solidFill>
+            </a:ln>
+          </p:spPr>
+          <p:style>
+            <a:lnRef idx="2">
+              <a:schemeClr val="accent1"/>
+            </a:lnRef>
+            <a:fillRef idx="0">
+              <a:schemeClr val="accent1"/>
+            </a:fillRef>
+            <a:effectRef idx="1">
+              <a:schemeClr val="accent1"/>
+            </a:effectRef>
+            <a:fontRef idx="minor">
+              <a:schemeClr val="tx1"/>
+            </a:fontRef>
+          </p:style>
+        </p:cxnSp>
+        <p:cxnSp>
+          <p:nvCxnSpPr>
+            <p:cNvPr id="33" name="Straight Connector 32">
+              <a:extLst>
+                <a:ext uri="{FF2B5EF4-FFF2-40B4-BE49-F238E27FC236}">
+                  <a16:creationId xmlns:a16="http://schemas.microsoft.com/office/drawing/2014/main" id="{2C3978FC-B5D1-42BE-B086-BC2A733D58F0}"/>
+                </a:ext>
+                <a:ext uri="{C183D7F6-B498-43B3-948B-1728B52AA6E4}">
+                  <adec:decorative xmlns:adec="http://schemas.microsoft.com/office/drawing/2017/decorative" val="1"/>
+                </a:ext>
+              </a:extLst>
+            </p:cNvPr>
+            <p:cNvCxnSpPr/>
+            <p:nvPr>
+              <p:extLst>
+                <p:ext uri="{386F3935-93C4-4BCD-93E2-E3B085C9AB24}">
+                  <p16:designElem xmlns:p16="http://schemas.microsoft.com/office/powerpoint/2015/main" val="1"/>
+                </p:ext>
+              </p:extLst>
+            </p:nvPr>
+          </p:nvCxnSpPr>
+          <p:spPr>
+            <a:xfrm flipH="1">
+              <a:off x="10292292" y="3285067"/>
+              <a:ext cx="1896534" cy="1896533"/>
+            </a:xfrm>
+            <a:prstGeom prst="line">
+              <a:avLst/>
+            </a:prstGeom>
+            <a:ln w="9525">
+              <a:solidFill>
+                <a:schemeClr val="tx1"/>
+              </a:solidFill>
+            </a:ln>
+          </p:spPr>
+          <p:style>
+            <a:lnRef idx="2">
+              <a:schemeClr val="accent1"/>
+            </a:lnRef>
+            <a:fillRef idx="0">
+              <a:schemeClr val="accent1"/>
+            </a:fillRef>
+            <a:effectRef idx="1">
+              <a:schemeClr val="accent1"/>
+            </a:effectRef>
+            <a:fontRef idx="minor">
+              <a:schemeClr val="tx1"/>
+            </a:fontRef>
+          </p:style>
+        </p:cxnSp>
+        <p:cxnSp>
+          <p:nvCxnSpPr>
+            <p:cNvPr id="34" name="Straight Connector 33">
+              <a:extLst>
+                <a:ext uri="{FF2B5EF4-FFF2-40B4-BE49-F238E27FC236}">
+                  <a16:creationId xmlns:a16="http://schemas.microsoft.com/office/drawing/2014/main" id="{ACED99F1-340D-4970-8E66-3B28E9271122}"/>
+                </a:ext>
+                <a:ext uri="{C183D7F6-B498-43B3-948B-1728B52AA6E4}">
+                  <adec:decorative xmlns:adec="http://schemas.microsoft.com/office/drawing/2017/decorative" val="1"/>
+                </a:ext>
+              </a:extLst>
+            </p:cNvPr>
+            <p:cNvCxnSpPr/>
+            <p:nvPr>
+              <p:extLst>
+                <p:ext uri="{386F3935-93C4-4BCD-93E2-E3B085C9AB24}">
+                  <p16:designElem xmlns:p16="http://schemas.microsoft.com/office/powerpoint/2015/main" val="1"/>
+                </p:ext>
+              </p:extLst>
+            </p:nvPr>
+          </p:nvCxnSpPr>
+          <p:spPr>
+            <a:xfrm flipH="1">
+              <a:off x="10443103" y="3131080"/>
+              <a:ext cx="1745722" cy="1745720"/>
+            </a:xfrm>
+            <a:prstGeom prst="line">
+              <a:avLst/>
+            </a:prstGeom>
+            <a:ln w="28575">
+              <a:solidFill>
+                <a:schemeClr val="tx1"/>
+              </a:solidFill>
+            </a:ln>
+          </p:spPr>
+          <p:style>
+            <a:lnRef idx="2">
+              <a:schemeClr val="accent1"/>
+            </a:lnRef>
+            <a:fillRef idx="0">
+              <a:schemeClr val="accent1"/>
+            </a:fillRef>
+            <a:effectRef idx="1">
+              <a:schemeClr val="accent1"/>
+            </a:effectRef>
+            <a:fontRef idx="minor">
+              <a:schemeClr val="tx1"/>
+            </a:fontRef>
+          </p:style>
+        </p:cxnSp>
+        <p:cxnSp>
+          <p:nvCxnSpPr>
+            <p:cNvPr id="35" name="Straight Connector 34">
+              <a:extLst>
+                <a:ext uri="{FF2B5EF4-FFF2-40B4-BE49-F238E27FC236}">
+                  <a16:creationId xmlns:a16="http://schemas.microsoft.com/office/drawing/2014/main" id="{50A54E39-63C0-4847-A766-C6B74FEB48D9}"/>
+                </a:ext>
+                <a:ext uri="{C183D7F6-B498-43B3-948B-1728B52AA6E4}">
+                  <adec:decorative xmlns:adec="http://schemas.microsoft.com/office/drawing/2017/decorative" val="1"/>
+                </a:ext>
+              </a:extLst>
+            </p:cNvPr>
+            <p:cNvCxnSpPr/>
+            <p:nvPr>
+              <p:extLst>
+                <p:ext uri="{386F3935-93C4-4BCD-93E2-E3B085C9AB24}">
+                  <p16:designElem xmlns:p16="http://schemas.microsoft.com/office/powerpoint/2015/main" val="1"/>
+                </p:ext>
+              </p:extLst>
+            </p:nvPr>
+          </p:nvCxnSpPr>
+          <p:spPr>
+            <a:xfrm flipH="1">
+              <a:off x="10918826" y="3683001"/>
+              <a:ext cx="1270001" cy="1269999"/>
+            </a:xfrm>
+            <a:prstGeom prst="line">
+              <a:avLst/>
+            </a:prstGeom>
+            <a:ln w="28575">
+              <a:solidFill>
+                <a:schemeClr val="tx1"/>
+              </a:solidFill>
+            </a:ln>
+          </p:spPr>
+          <p:style>
+            <a:lnRef idx="2">
+              <a:schemeClr val="accent1"/>
+            </a:lnRef>
+            <a:fillRef idx="0">
+              <a:schemeClr val="accent1"/>
+            </a:fillRef>
+            <a:effectRef idx="1">
+              <a:schemeClr val="accent1"/>
+            </a:effectRef>
+            <a:fontRef idx="minor">
+              <a:schemeClr val="tx1"/>
+            </a:fontRef>
+          </p:style>
+        </p:cxnSp>
+      </p:grpSp>
+    </p:spTree>
+    <p:extLst>
+      <p:ext uri="{BB962C8B-B14F-4D97-AF65-F5344CB8AC3E}">
+        <p14:creationId xmlns:p14="http://schemas.microsoft.com/office/powerpoint/2010/main" val="2065435592"/>
       </p:ext>
     </p:extLst>
   </p:cSld>
